--- a/Presentation Template.pptx
+++ b/Presentation Template.pptx
@@ -5,10 +5,10 @@
     <p:sldMasterId id="2147483684" r:id="rId4"/>
   </p:sldMasterIdLst>
   <p:notesMasterIdLst>
-    <p:notesMasterId r:id="rId21"/>
+    <p:notesMasterId r:id="rId22"/>
   </p:notesMasterIdLst>
   <p:handoutMasterIdLst>
-    <p:handoutMasterId r:id="rId22"/>
+    <p:handoutMasterId r:id="rId23"/>
   </p:handoutMasterIdLst>
   <p:sldIdLst>
     <p:sldId id="257" r:id="rId5"/>
@@ -17,16 +17,17 @@
     <p:sldId id="317" r:id="rId8"/>
     <p:sldId id="392" r:id="rId9"/>
     <p:sldId id="393" r:id="rId10"/>
-    <p:sldId id="394" r:id="rId11"/>
-    <p:sldId id="321" r:id="rId12"/>
-    <p:sldId id="391" r:id="rId13"/>
-    <p:sldId id="268" r:id="rId14"/>
-    <p:sldId id="277" r:id="rId15"/>
-    <p:sldId id="278" r:id="rId16"/>
-    <p:sldId id="279" r:id="rId17"/>
-    <p:sldId id="272" r:id="rId18"/>
-    <p:sldId id="270" r:id="rId19"/>
-    <p:sldId id="281" r:id="rId20"/>
+    <p:sldId id="395" r:id="rId11"/>
+    <p:sldId id="394" r:id="rId12"/>
+    <p:sldId id="321" r:id="rId13"/>
+    <p:sldId id="391" r:id="rId14"/>
+    <p:sldId id="268" r:id="rId15"/>
+    <p:sldId id="277" r:id="rId16"/>
+    <p:sldId id="278" r:id="rId17"/>
+    <p:sldId id="279" r:id="rId18"/>
+    <p:sldId id="272" r:id="rId19"/>
+    <p:sldId id="270" r:id="rId20"/>
+    <p:sldId id="281" r:id="rId21"/>
   </p:sldIdLst>
   <p:sldSz cx="12192000" cy="6858000"/>
   <p:notesSz cx="6858000" cy="9144000"/>
@@ -5615,7 +5616,7 @@
           <a:p>
             <a:fld id="{C17F2C1D-F243-42AB-ADF2-E7CB4E04900E}" type="datetimeFigureOut">
               <a:rPr lang="en-US" smtClean="0"/>
-              <a:t>5/31/2022</a:t>
+              <a:t>5/15/2023</a:t>
             </a:fld>
             <a:endParaRPr lang="en-US"/>
           </a:p>
@@ -5792,7 +5793,7 @@
           <a:p>
             <a:fld id="{020CE34E-5667-4A32-A6BA-10C7A552BC63}" type="datetimeFigureOut">
               <a:rPr lang="en-US" smtClean="0"/>
-              <a:t>5/31/2022</a:t>
+              <a:t>5/15/2023</a:t>
             </a:fld>
             <a:endParaRPr lang="en-US"/>
           </a:p>
@@ -6208,7 +6209,7 @@
           <a:p>
             <a:fld id="{1983A999-5E0E-42CA-8400-604AE921FF7C}" type="slidenum">
               <a:rPr lang="en-US" smtClean="0"/>
-              <a:t>15</a:t>
+              <a:t>16</a:t>
             </a:fld>
             <a:endParaRPr lang="en-US"/>
           </a:p>
@@ -6628,7 +6629,7 @@
           <a:p>
             <a:fld id="{1983A999-5E0E-42CA-8400-604AE921FF7C}" type="slidenum">
               <a:rPr lang="en-US" smtClean="0"/>
-              <a:t>7</a:t>
+              <a:t>8</a:t>
             </a:fld>
             <a:endParaRPr lang="en-US"/>
           </a:p>
@@ -6712,7 +6713,7 @@
           <a:p>
             <a:fld id="{1983A999-5E0E-42CA-8400-604AE921FF7C}" type="slidenum">
               <a:rPr lang="en-US" smtClean="0"/>
-              <a:t>8</a:t>
+              <a:t>9</a:t>
             </a:fld>
             <a:endParaRPr lang="en-US"/>
           </a:p>
@@ -6796,7 +6797,7 @@
           <a:p>
             <a:fld id="{1983A999-5E0E-42CA-8400-604AE921FF7C}" type="slidenum">
               <a:rPr lang="en-US" smtClean="0"/>
-              <a:t>10</a:t>
+              <a:t>11</a:t>
             </a:fld>
             <a:endParaRPr lang="en-US"/>
           </a:p>
@@ -6880,7 +6881,7 @@
           <a:p>
             <a:fld id="{32DC0559-D619-4E56-BF6F-3712370C2150}" type="slidenum">
               <a:rPr lang="en-US" smtClean="0"/>
-              <a:t>14</a:t>
+              <a:t>15</a:t>
             </a:fld>
             <a:endParaRPr lang="en-US"/>
           </a:p>
@@ -19036,7 +19037,7 @@
           <a:p>
             <a:r>
               <a:rPr lang="en-US" dirty="0"/>
-              <a:t>Group Name</a:t>
+              <a:t>Carlito-Rey and Joshua</a:t>
             </a:r>
           </a:p>
         </p:txBody>
@@ -19073,10 +19074,10 @@
       </p:grpSpPr>
       <p:sp>
         <p:nvSpPr>
-          <p:cNvPr id="6" name="Title 5">
+          <p:cNvPr id="22" name="Title 21">
             <a:extLst>
               <a:ext uri="{FF2B5EF4-FFF2-40B4-BE49-F238E27FC236}">
-                <a16:creationId xmlns:a16="http://schemas.microsoft.com/office/drawing/2014/main" id="{ED2A30C0-1BC4-4764-9C0F-5D811CAB8312}"/>
+                <a16:creationId xmlns:a16="http://schemas.microsoft.com/office/drawing/2014/main" id="{F8FAEED9-1ECD-45F9-87A0-9394BAEABB79}"/>
               </a:ext>
             </a:extLst>
           </p:cNvPr>
@@ -19089,8 +19090,8 @@
         </p:nvSpPr>
         <p:spPr>
           <a:xfrm>
-            <a:off x="548640" y="548640"/>
-            <a:ext cx="8281987" cy="1253041"/>
+            <a:off x="550863" y="549275"/>
+            <a:ext cx="5437187" cy="2986234"/>
           </a:xfrm>
         </p:spPr>
         <p:txBody>
@@ -19099,85 +19100,62 @@
           <a:p>
             <a:r>
               <a:rPr lang="en-US" dirty="0"/>
-              <a:t>Team</a:t>
+              <a:t>Thank You</a:t>
+            </a:r>
+          </a:p>
+        </p:txBody>
+      </p:sp>
+      <p:sp>
+        <p:nvSpPr>
+          <p:cNvPr id="23" name="Subtitle 22">
+            <a:extLst>
+              <a:ext uri="{FF2B5EF4-FFF2-40B4-BE49-F238E27FC236}">
+                <a16:creationId xmlns:a16="http://schemas.microsoft.com/office/drawing/2014/main" id="{8E5E4638-9BCB-4C2E-914F-CC868E2020D5}"/>
+              </a:ext>
+            </a:extLst>
+          </p:cNvPr>
+          <p:cNvSpPr>
+            <a:spLocks noGrp="1"/>
+          </p:cNvSpPr>
+          <p:nvPr>
+            <p:ph type="subTitle" idx="1"/>
+          </p:nvPr>
+        </p:nvSpPr>
+        <p:spPr>
+          <a:xfrm>
+            <a:off x="550863" y="3827610"/>
+            <a:ext cx="5437187" cy="2265216"/>
+          </a:xfrm>
+        </p:spPr>
+        <p:txBody>
+          <a:bodyPr/>
+          <a:lstStyle/>
+          <a:p>
+            <a:r>
+              <a:rPr lang="en-US" dirty="0"/>
+              <a:t>Presenter name</a:t>
+            </a:r>
+          </a:p>
+          <a:p>
+            <a:r>
+              <a:rPr lang="en-US" dirty="0"/>
+              <a:t>Email address</a:t>
+            </a:r>
+          </a:p>
+          <a:p>
+            <a:r>
+              <a:rPr lang="en-US" dirty="0"/>
+              <a:t>Website address</a:t>
             </a:r>
           </a:p>
         </p:txBody>
       </p:sp>
       <p:pic>
         <p:nvPicPr>
-          <p:cNvPr id="17" name="Picture Placeholder 16" descr="A man smiling in the office">
+          <p:cNvPr id="27" name="Picture Placeholder 26" descr="Data Points Digital background">
             <a:extLst>
               <a:ext uri="{FF2B5EF4-FFF2-40B4-BE49-F238E27FC236}">
-                <a16:creationId xmlns:a16="http://schemas.microsoft.com/office/drawing/2014/main" id="{05ED5B1E-974F-476C-A3C9-572D3602E95E}"/>
-              </a:ext>
-            </a:extLst>
-          </p:cNvPr>
-          <p:cNvPicPr>
-            <a:picLocks noGrp="1" noChangeAspect="1"/>
-          </p:cNvPicPr>
-          <p:nvPr>
-            <p:ph type="pic" sz="quarter" idx="13"/>
-          </p:nvPr>
-        </p:nvPicPr>
-        <p:blipFill rotWithShape="1">
-          <a:blip r:embed="rId3" cstate="screen">
-            <a:extLst>
-              <a:ext uri="{28A0092B-C50C-407E-A947-70E740481C1C}">
-                <a14:useLocalDpi xmlns:a14="http://schemas.microsoft.com/office/drawing/2010/main" val="0"/>
-              </a:ext>
-            </a:extLst>
-          </a:blip>
-          <a:srcRect/>
-          <a:stretch/>
-        </p:blipFill>
-        <p:spPr>
-          <a:xfrm>
-            <a:off x="1078992" y="1990724"/>
-            <a:ext cx="1691640" cy="1435608"/>
-          </a:xfrm>
-        </p:spPr>
-      </p:pic>
-      <p:pic>
-        <p:nvPicPr>
-          <p:cNvPr id="36" name="Picture Placeholder 35" descr="A lady smiling in the office">
-            <a:extLst>
-              <a:ext uri="{FF2B5EF4-FFF2-40B4-BE49-F238E27FC236}">
-                <a16:creationId xmlns:a16="http://schemas.microsoft.com/office/drawing/2014/main" id="{F3CCCCDF-EA66-4F5E-98F3-A05239CBBAC4}"/>
-              </a:ext>
-            </a:extLst>
-          </p:cNvPr>
-          <p:cNvPicPr>
-            <a:picLocks noGrp="1" noChangeAspect="1"/>
-          </p:cNvPicPr>
-          <p:nvPr>
-            <p:ph type="pic" sz="quarter" idx="14"/>
-          </p:nvPr>
-        </p:nvPicPr>
-        <p:blipFill rotWithShape="1">
-          <a:blip r:embed="rId4" cstate="screen">
-            <a:extLst>
-              <a:ext uri="{28A0092B-C50C-407E-A947-70E740481C1C}">
-                <a14:useLocalDpi xmlns:a14="http://schemas.microsoft.com/office/drawing/2010/main" val="0"/>
-              </a:ext>
-            </a:extLst>
-          </a:blip>
-          <a:srcRect/>
-          <a:stretch/>
-        </p:blipFill>
-        <p:spPr>
-          <a:xfrm>
-            <a:off x="3838384" y="1990724"/>
-            <a:ext cx="1691640" cy="1435608"/>
-          </a:xfrm>
-        </p:spPr>
-      </p:pic>
-      <p:pic>
-        <p:nvPicPr>
-          <p:cNvPr id="38" name="Picture Placeholder 37" descr="A lady in the office smiling at the camera&#10;">
-            <a:extLst>
-              <a:ext uri="{FF2B5EF4-FFF2-40B4-BE49-F238E27FC236}">
-                <a16:creationId xmlns:a16="http://schemas.microsoft.com/office/drawing/2014/main" id="{8A6BB597-41F4-432E-8432-8F39511B2941}"/>
+                <a16:creationId xmlns:a16="http://schemas.microsoft.com/office/drawing/2014/main" id="{9E660784-34E2-4CDA-926A-DDD6AAF35046}"/>
               </a:ext>
             </a:extLst>
           </p:cNvPr>
@@ -19189,7 +19167,7 @@
           </p:nvPr>
         </p:nvPicPr>
         <p:blipFill rotWithShape="1">
-          <a:blip r:embed="rId5" cstate="screen">
+          <a:blip r:embed="rId2" cstate="screen">
             <a:extLst>
               <a:ext uri="{28A0092B-C50C-407E-A947-70E740481C1C}">
                 <a14:useLocalDpi xmlns:a14="http://schemas.microsoft.com/office/drawing/2010/main" val="0"/>
@@ -19201,17 +19179,17 @@
         </p:blipFill>
         <p:spPr>
           <a:xfrm>
-            <a:off x="6661976" y="1993392"/>
-            <a:ext cx="1691640" cy="1435608"/>
+            <a:off x="6556248" y="548640"/>
+            <a:ext cx="5084064" cy="2880360"/>
           </a:xfrm>
         </p:spPr>
       </p:pic>
       <p:pic>
         <p:nvPicPr>
-          <p:cNvPr id="40" name="Picture Placeholder 39" descr="Smiling man with a beard">
+          <p:cNvPr id="33" name="Picture Placeholder 32" descr="Data Points Digital background">
             <a:extLst>
               <a:ext uri="{FF2B5EF4-FFF2-40B4-BE49-F238E27FC236}">
-                <a16:creationId xmlns:a16="http://schemas.microsoft.com/office/drawing/2014/main" id="{76B2FC80-9F3B-46D8-94D9-882D90A858F6}"/>
+                <a16:creationId xmlns:a16="http://schemas.microsoft.com/office/drawing/2014/main" id="{48106962-23C6-4DFE-BB3A-E5FFF03F38CE}"/>
               </a:ext>
             </a:extLst>
           </p:cNvPr>
@@ -19223,7 +19201,7 @@
           </p:nvPr>
         </p:nvPicPr>
         <p:blipFill rotWithShape="1">
-          <a:blip r:embed="rId6" cstate="screen">
+          <a:blip r:embed="rId3" cstate="screen">
             <a:extLst>
               <a:ext uri="{28A0092B-C50C-407E-A947-70E740481C1C}">
                 <a14:useLocalDpi xmlns:a14="http://schemas.microsoft.com/office/drawing/2010/main" val="0"/>
@@ -19235,281 +19213,17 @@
         </p:blipFill>
         <p:spPr>
           <a:xfrm>
-            <a:off x="9485568" y="1990724"/>
-            <a:ext cx="1691640" cy="1435608"/>
+            <a:off x="6556248" y="3429000"/>
+            <a:ext cx="5084064" cy="2880360"/>
           </a:xfrm>
         </p:spPr>
       </p:pic>
       <p:sp>
         <p:nvSpPr>
-          <p:cNvPr id="41" name="Text Placeholder 40">
+          <p:cNvPr id="4" name="Date Placeholder 3">
             <a:extLst>
               <a:ext uri="{FF2B5EF4-FFF2-40B4-BE49-F238E27FC236}">
-                <a16:creationId xmlns:a16="http://schemas.microsoft.com/office/drawing/2014/main" id="{91181F6D-A54F-4289-8C36-80ECE3B2C8E2}"/>
-              </a:ext>
-            </a:extLst>
-          </p:cNvPr>
-          <p:cNvSpPr>
-            <a:spLocks noGrp="1"/>
-          </p:cNvSpPr>
-          <p:nvPr>
-            <p:ph type="body" sz="quarter" idx="18"/>
-          </p:nvPr>
-        </p:nvSpPr>
-        <p:spPr>
-          <a:xfrm>
-            <a:off x="1079500" y="3781425"/>
-            <a:ext cx="1711325" cy="365760"/>
-          </a:xfrm>
-        </p:spPr>
-        <p:txBody>
-          <a:bodyPr/>
-          <a:lstStyle/>
-          <a:p>
-            <a:r>
-              <a:rPr lang="en-US" dirty="0"/>
-              <a:t>Name</a:t>
-            </a:r>
-          </a:p>
-        </p:txBody>
-      </p:sp>
-      <p:sp>
-        <p:nvSpPr>
-          <p:cNvPr id="15" name="Subtitle 14">
-            <a:extLst>
-              <a:ext uri="{FF2B5EF4-FFF2-40B4-BE49-F238E27FC236}">
-                <a16:creationId xmlns:a16="http://schemas.microsoft.com/office/drawing/2014/main" id="{84D39D81-9726-4BD7-BDC0-FA0B2AD0D219}"/>
-              </a:ext>
-            </a:extLst>
-          </p:cNvPr>
-          <p:cNvSpPr>
-            <a:spLocks noGrp="1"/>
-          </p:cNvSpPr>
-          <p:nvPr>
-            <p:ph type="body" sz="quarter" idx="17"/>
-          </p:nvPr>
-        </p:nvSpPr>
-        <p:spPr>
-          <a:xfrm>
-            <a:off x="1078733" y="4232949"/>
-            <a:ext cx="1711572" cy="638175"/>
-          </a:xfrm>
-        </p:spPr>
-        <p:txBody>
-          <a:bodyPr/>
-          <a:lstStyle/>
-          <a:p>
-            <a:r>
-              <a:rPr lang="en-US" dirty="0"/>
-              <a:t>Title</a:t>
-            </a:r>
-          </a:p>
-        </p:txBody>
-      </p:sp>
-      <p:sp>
-        <p:nvSpPr>
-          <p:cNvPr id="43" name="Text Placeholder 42">
-            <a:extLst>
-              <a:ext uri="{FF2B5EF4-FFF2-40B4-BE49-F238E27FC236}">
-                <a16:creationId xmlns:a16="http://schemas.microsoft.com/office/drawing/2014/main" id="{E4387CED-5FBE-4AFF-B64D-975B5574F16F}"/>
-              </a:ext>
-            </a:extLst>
-          </p:cNvPr>
-          <p:cNvSpPr>
-            <a:spLocks noGrp="1"/>
-          </p:cNvSpPr>
-          <p:nvPr>
-            <p:ph type="body" sz="quarter" idx="20"/>
-          </p:nvPr>
-        </p:nvSpPr>
-        <p:spPr>
-          <a:xfrm>
-            <a:off x="3839151" y="3781425"/>
-            <a:ext cx="1711325" cy="365760"/>
-          </a:xfrm>
-        </p:spPr>
-        <p:txBody>
-          <a:bodyPr/>
-          <a:lstStyle/>
-          <a:p>
-            <a:r>
-              <a:rPr lang="en-US" dirty="0"/>
-              <a:t>Name</a:t>
-            </a:r>
-          </a:p>
-        </p:txBody>
-      </p:sp>
-      <p:sp>
-        <p:nvSpPr>
-          <p:cNvPr id="42" name="Text Placeholder 41">
-            <a:extLst>
-              <a:ext uri="{FF2B5EF4-FFF2-40B4-BE49-F238E27FC236}">
-                <a16:creationId xmlns:a16="http://schemas.microsoft.com/office/drawing/2014/main" id="{CCDF84CD-BC27-4182-9FBA-9D4FEED95410}"/>
-              </a:ext>
-            </a:extLst>
-          </p:cNvPr>
-          <p:cNvSpPr>
-            <a:spLocks noGrp="1"/>
-          </p:cNvSpPr>
-          <p:nvPr>
-            <p:ph type="body" sz="quarter" idx="19"/>
-          </p:nvPr>
-        </p:nvSpPr>
-        <p:spPr>
-          <a:xfrm>
-            <a:off x="3838384" y="4232949"/>
-            <a:ext cx="1711572" cy="638175"/>
-          </a:xfrm>
-        </p:spPr>
-        <p:txBody>
-          <a:bodyPr/>
-          <a:lstStyle/>
-          <a:p>
-            <a:r>
-              <a:rPr lang="en-US" dirty="0"/>
-              <a:t>Title</a:t>
-            </a:r>
-          </a:p>
-        </p:txBody>
-      </p:sp>
-      <p:sp>
-        <p:nvSpPr>
-          <p:cNvPr id="45" name="Text Placeholder 44">
-            <a:extLst>
-              <a:ext uri="{FF2B5EF4-FFF2-40B4-BE49-F238E27FC236}">
-                <a16:creationId xmlns:a16="http://schemas.microsoft.com/office/drawing/2014/main" id="{FE5CD03B-066A-46AF-8FB8-E8A78074ABEF}"/>
-              </a:ext>
-            </a:extLst>
-          </p:cNvPr>
-          <p:cNvSpPr>
-            <a:spLocks noGrp="1"/>
-          </p:cNvSpPr>
-          <p:nvPr>
-            <p:ph type="body" sz="quarter" idx="22"/>
-          </p:nvPr>
-        </p:nvSpPr>
-        <p:spPr>
-          <a:xfrm>
-            <a:off x="6662743" y="3781425"/>
-            <a:ext cx="1711325" cy="365760"/>
-          </a:xfrm>
-        </p:spPr>
-        <p:txBody>
-          <a:bodyPr/>
-          <a:lstStyle/>
-          <a:p>
-            <a:r>
-              <a:rPr lang="en-US" dirty="0"/>
-              <a:t>Name</a:t>
-            </a:r>
-          </a:p>
-        </p:txBody>
-      </p:sp>
-      <p:sp>
-        <p:nvSpPr>
-          <p:cNvPr id="44" name="Text Placeholder 43">
-            <a:extLst>
-              <a:ext uri="{FF2B5EF4-FFF2-40B4-BE49-F238E27FC236}">
-                <a16:creationId xmlns:a16="http://schemas.microsoft.com/office/drawing/2014/main" id="{10E83414-3440-46C7-8C07-7D073B69C422}"/>
-              </a:ext>
-            </a:extLst>
-          </p:cNvPr>
-          <p:cNvSpPr>
-            <a:spLocks noGrp="1"/>
-          </p:cNvSpPr>
-          <p:nvPr>
-            <p:ph type="body" sz="quarter" idx="21"/>
-          </p:nvPr>
-        </p:nvSpPr>
-        <p:spPr>
-          <a:xfrm>
-            <a:off x="6661976" y="4232949"/>
-            <a:ext cx="1711572" cy="638175"/>
-          </a:xfrm>
-        </p:spPr>
-        <p:txBody>
-          <a:bodyPr/>
-          <a:lstStyle/>
-          <a:p>
-            <a:r>
-              <a:rPr lang="en-US" dirty="0"/>
-              <a:t>Title</a:t>
-            </a:r>
-          </a:p>
-        </p:txBody>
-      </p:sp>
-      <p:sp>
-        <p:nvSpPr>
-          <p:cNvPr id="47" name="Text Placeholder 46">
-            <a:extLst>
-              <a:ext uri="{FF2B5EF4-FFF2-40B4-BE49-F238E27FC236}">
-                <a16:creationId xmlns:a16="http://schemas.microsoft.com/office/drawing/2014/main" id="{F4640D91-CB97-4FCC-8FEF-F4B22B844DC4}"/>
-              </a:ext>
-            </a:extLst>
-          </p:cNvPr>
-          <p:cNvSpPr>
-            <a:spLocks noGrp="1"/>
-          </p:cNvSpPr>
-          <p:nvPr>
-            <p:ph type="body" sz="quarter" idx="24"/>
-          </p:nvPr>
-        </p:nvSpPr>
-        <p:spPr>
-          <a:xfrm>
-            <a:off x="9433112" y="3787288"/>
-            <a:ext cx="1711325" cy="365760"/>
-          </a:xfrm>
-        </p:spPr>
-        <p:txBody>
-          <a:bodyPr/>
-          <a:lstStyle/>
-          <a:p>
-            <a:r>
-              <a:rPr lang="en-US" dirty="0"/>
-              <a:t>Name</a:t>
-            </a:r>
-          </a:p>
-        </p:txBody>
-      </p:sp>
-      <p:sp>
-        <p:nvSpPr>
-          <p:cNvPr id="3" name="Text Placeholder 2">
-            <a:extLst>
-              <a:ext uri="{FF2B5EF4-FFF2-40B4-BE49-F238E27FC236}">
-                <a16:creationId xmlns:a16="http://schemas.microsoft.com/office/drawing/2014/main" id="{B1C6A53C-7538-4FF9-BC09-EFC116FE7054}"/>
-              </a:ext>
-            </a:extLst>
-          </p:cNvPr>
-          <p:cNvSpPr>
-            <a:spLocks noGrp="1"/>
-          </p:cNvSpPr>
-          <p:nvPr>
-            <p:ph type="body" sz="quarter" idx="23"/>
-          </p:nvPr>
-        </p:nvSpPr>
-        <p:spPr>
-          <a:xfrm>
-            <a:off x="9432345" y="4238812"/>
-            <a:ext cx="1711572" cy="638175"/>
-          </a:xfrm>
-        </p:spPr>
-        <p:txBody>
-          <a:bodyPr/>
-          <a:lstStyle/>
-          <a:p>
-            <a:r>
-              <a:rPr lang="en-US" dirty="0"/>
-              <a:t>Title</a:t>
-            </a:r>
-          </a:p>
-        </p:txBody>
-      </p:sp>
-      <p:sp>
-        <p:nvSpPr>
-          <p:cNvPr id="7" name="Date Placeholder 6">
-            <a:extLst>
-              <a:ext uri="{FF2B5EF4-FFF2-40B4-BE49-F238E27FC236}">
-                <a16:creationId xmlns:a16="http://schemas.microsoft.com/office/drawing/2014/main" id="{45F69D6A-822D-4DB9-A2CC-D9106F1F2B68}"/>
+                <a16:creationId xmlns:a16="http://schemas.microsoft.com/office/drawing/2014/main" id="{7823E305-6365-4345-8BD1-4A31C61D96CB}"/>
               </a:ext>
             </a:extLst>
           </p:cNvPr>
@@ -19534,16 +19248,15 @@
               <a:rPr lang="en-US"/>
               <a:t>Tuesday, February 2, 20XX</a:t>
             </a:r>
-            <a:endParaRPr lang="en-US" dirty="0"/>
           </a:p>
         </p:txBody>
       </p:sp>
       <p:sp>
         <p:nvSpPr>
-          <p:cNvPr id="8" name="Footer Placeholder 7">
+          <p:cNvPr id="5" name="Footer Placeholder 4">
             <a:extLst>
               <a:ext uri="{FF2B5EF4-FFF2-40B4-BE49-F238E27FC236}">
-                <a16:creationId xmlns:a16="http://schemas.microsoft.com/office/drawing/2014/main" id="{6375D7F3-165A-439B-8D1D-6553B68C2886}"/>
+                <a16:creationId xmlns:a16="http://schemas.microsoft.com/office/drawing/2014/main" id="{0B37A3FF-ED32-4C4A-A21F-848A3BF6F896}"/>
               </a:ext>
             </a:extLst>
           </p:cNvPr>
@@ -19573,10 +19286,10 @@
       </p:sp>
       <p:sp>
         <p:nvSpPr>
-          <p:cNvPr id="9" name="Slide Number Placeholder 8">
+          <p:cNvPr id="6" name="Slide Number Placeholder 5">
             <a:extLst>
               <a:ext uri="{FF2B5EF4-FFF2-40B4-BE49-F238E27FC236}">
-                <a16:creationId xmlns:a16="http://schemas.microsoft.com/office/drawing/2014/main" id="{7AF9A883-CC44-4401-AE67-8FCEACB7DDDA}"/>
+                <a16:creationId xmlns:a16="http://schemas.microsoft.com/office/drawing/2014/main" id="{36E60F23-FB58-4EF8-82FD-E86CED25FDD4}"/>
               </a:ext>
             </a:extLst>
           </p:cNvPr>
@@ -19609,7 +19322,7 @@
     </p:spTree>
     <p:extLst>
       <p:ext uri="{BB962C8B-B14F-4D97-AF65-F5344CB8AC3E}">
-        <p14:creationId xmlns:p14="http://schemas.microsoft.com/office/powerpoint/2010/main" val="2979876663"/>
+        <p14:creationId xmlns:p14="http://schemas.microsoft.com/office/powerpoint/2010/main" val="3247798845"/>
       </p:ext>
     </p:extLst>
   </p:cSld>
@@ -19638,6 +19351,571 @@
       </p:grpSpPr>
       <p:sp>
         <p:nvSpPr>
+          <p:cNvPr id="6" name="Title 5">
+            <a:extLst>
+              <a:ext uri="{FF2B5EF4-FFF2-40B4-BE49-F238E27FC236}">
+                <a16:creationId xmlns:a16="http://schemas.microsoft.com/office/drawing/2014/main" id="{ED2A30C0-1BC4-4764-9C0F-5D811CAB8312}"/>
+              </a:ext>
+            </a:extLst>
+          </p:cNvPr>
+          <p:cNvSpPr>
+            <a:spLocks noGrp="1"/>
+          </p:cNvSpPr>
+          <p:nvPr>
+            <p:ph type="ctrTitle"/>
+          </p:nvPr>
+        </p:nvSpPr>
+        <p:spPr>
+          <a:xfrm>
+            <a:off x="548640" y="548640"/>
+            <a:ext cx="8281987" cy="1253041"/>
+          </a:xfrm>
+        </p:spPr>
+        <p:txBody>
+          <a:bodyPr/>
+          <a:lstStyle/>
+          <a:p>
+            <a:r>
+              <a:rPr lang="en-US" dirty="0"/>
+              <a:t>Team</a:t>
+            </a:r>
+          </a:p>
+        </p:txBody>
+      </p:sp>
+      <p:pic>
+        <p:nvPicPr>
+          <p:cNvPr id="17" name="Picture Placeholder 16" descr="A man smiling in the office">
+            <a:extLst>
+              <a:ext uri="{FF2B5EF4-FFF2-40B4-BE49-F238E27FC236}">
+                <a16:creationId xmlns:a16="http://schemas.microsoft.com/office/drawing/2014/main" id="{05ED5B1E-974F-476C-A3C9-572D3602E95E}"/>
+              </a:ext>
+            </a:extLst>
+          </p:cNvPr>
+          <p:cNvPicPr>
+            <a:picLocks noGrp="1" noChangeAspect="1"/>
+          </p:cNvPicPr>
+          <p:nvPr>
+            <p:ph type="pic" sz="quarter" idx="13"/>
+          </p:nvPr>
+        </p:nvPicPr>
+        <p:blipFill rotWithShape="1">
+          <a:blip r:embed="rId3" cstate="screen">
+            <a:extLst>
+              <a:ext uri="{28A0092B-C50C-407E-A947-70E740481C1C}">
+                <a14:useLocalDpi xmlns:a14="http://schemas.microsoft.com/office/drawing/2010/main" val="0"/>
+              </a:ext>
+            </a:extLst>
+          </a:blip>
+          <a:srcRect/>
+          <a:stretch/>
+        </p:blipFill>
+        <p:spPr>
+          <a:xfrm>
+            <a:off x="1078992" y="1990724"/>
+            <a:ext cx="1691640" cy="1435608"/>
+          </a:xfrm>
+        </p:spPr>
+      </p:pic>
+      <p:pic>
+        <p:nvPicPr>
+          <p:cNvPr id="36" name="Picture Placeholder 35" descr="A lady smiling in the office">
+            <a:extLst>
+              <a:ext uri="{FF2B5EF4-FFF2-40B4-BE49-F238E27FC236}">
+                <a16:creationId xmlns:a16="http://schemas.microsoft.com/office/drawing/2014/main" id="{F3CCCCDF-EA66-4F5E-98F3-A05239CBBAC4}"/>
+              </a:ext>
+            </a:extLst>
+          </p:cNvPr>
+          <p:cNvPicPr>
+            <a:picLocks noGrp="1" noChangeAspect="1"/>
+          </p:cNvPicPr>
+          <p:nvPr>
+            <p:ph type="pic" sz="quarter" idx="14"/>
+          </p:nvPr>
+        </p:nvPicPr>
+        <p:blipFill rotWithShape="1">
+          <a:blip r:embed="rId4" cstate="screen">
+            <a:extLst>
+              <a:ext uri="{28A0092B-C50C-407E-A947-70E740481C1C}">
+                <a14:useLocalDpi xmlns:a14="http://schemas.microsoft.com/office/drawing/2010/main" val="0"/>
+              </a:ext>
+            </a:extLst>
+          </a:blip>
+          <a:srcRect/>
+          <a:stretch/>
+        </p:blipFill>
+        <p:spPr>
+          <a:xfrm>
+            <a:off x="3838384" y="1990724"/>
+            <a:ext cx="1691640" cy="1435608"/>
+          </a:xfrm>
+        </p:spPr>
+      </p:pic>
+      <p:pic>
+        <p:nvPicPr>
+          <p:cNvPr id="38" name="Picture Placeholder 37" descr="A lady in the office smiling at the camera&#10;">
+            <a:extLst>
+              <a:ext uri="{FF2B5EF4-FFF2-40B4-BE49-F238E27FC236}">
+                <a16:creationId xmlns:a16="http://schemas.microsoft.com/office/drawing/2014/main" id="{8A6BB597-41F4-432E-8432-8F39511B2941}"/>
+              </a:ext>
+            </a:extLst>
+          </p:cNvPr>
+          <p:cNvPicPr>
+            <a:picLocks noGrp="1" noChangeAspect="1"/>
+          </p:cNvPicPr>
+          <p:nvPr>
+            <p:ph type="pic" sz="quarter" idx="15"/>
+          </p:nvPr>
+        </p:nvPicPr>
+        <p:blipFill rotWithShape="1">
+          <a:blip r:embed="rId5" cstate="screen">
+            <a:extLst>
+              <a:ext uri="{28A0092B-C50C-407E-A947-70E740481C1C}">
+                <a14:useLocalDpi xmlns:a14="http://schemas.microsoft.com/office/drawing/2010/main" val="0"/>
+              </a:ext>
+            </a:extLst>
+          </a:blip>
+          <a:srcRect/>
+          <a:stretch/>
+        </p:blipFill>
+        <p:spPr>
+          <a:xfrm>
+            <a:off x="6661976" y="1993392"/>
+            <a:ext cx="1691640" cy="1435608"/>
+          </a:xfrm>
+        </p:spPr>
+      </p:pic>
+      <p:pic>
+        <p:nvPicPr>
+          <p:cNvPr id="40" name="Picture Placeholder 39" descr="Smiling man with a beard">
+            <a:extLst>
+              <a:ext uri="{FF2B5EF4-FFF2-40B4-BE49-F238E27FC236}">
+                <a16:creationId xmlns:a16="http://schemas.microsoft.com/office/drawing/2014/main" id="{76B2FC80-9F3B-46D8-94D9-882D90A858F6}"/>
+              </a:ext>
+            </a:extLst>
+          </p:cNvPr>
+          <p:cNvPicPr>
+            <a:picLocks noGrp="1" noChangeAspect="1"/>
+          </p:cNvPicPr>
+          <p:nvPr>
+            <p:ph type="pic" sz="quarter" idx="16"/>
+          </p:nvPr>
+        </p:nvPicPr>
+        <p:blipFill rotWithShape="1">
+          <a:blip r:embed="rId6" cstate="screen">
+            <a:extLst>
+              <a:ext uri="{28A0092B-C50C-407E-A947-70E740481C1C}">
+                <a14:useLocalDpi xmlns:a14="http://schemas.microsoft.com/office/drawing/2010/main" val="0"/>
+              </a:ext>
+            </a:extLst>
+          </a:blip>
+          <a:srcRect/>
+          <a:stretch/>
+        </p:blipFill>
+        <p:spPr>
+          <a:xfrm>
+            <a:off x="9485568" y="1990724"/>
+            <a:ext cx="1691640" cy="1435608"/>
+          </a:xfrm>
+        </p:spPr>
+      </p:pic>
+      <p:sp>
+        <p:nvSpPr>
+          <p:cNvPr id="41" name="Text Placeholder 40">
+            <a:extLst>
+              <a:ext uri="{FF2B5EF4-FFF2-40B4-BE49-F238E27FC236}">
+                <a16:creationId xmlns:a16="http://schemas.microsoft.com/office/drawing/2014/main" id="{91181F6D-A54F-4289-8C36-80ECE3B2C8E2}"/>
+              </a:ext>
+            </a:extLst>
+          </p:cNvPr>
+          <p:cNvSpPr>
+            <a:spLocks noGrp="1"/>
+          </p:cNvSpPr>
+          <p:nvPr>
+            <p:ph type="body" sz="quarter" idx="18"/>
+          </p:nvPr>
+        </p:nvSpPr>
+        <p:spPr>
+          <a:xfrm>
+            <a:off x="1079500" y="3781425"/>
+            <a:ext cx="1711325" cy="365760"/>
+          </a:xfrm>
+        </p:spPr>
+        <p:txBody>
+          <a:bodyPr/>
+          <a:lstStyle/>
+          <a:p>
+            <a:r>
+              <a:rPr lang="en-US" dirty="0"/>
+              <a:t>Name</a:t>
+            </a:r>
+          </a:p>
+        </p:txBody>
+      </p:sp>
+      <p:sp>
+        <p:nvSpPr>
+          <p:cNvPr id="15" name="Subtitle 14">
+            <a:extLst>
+              <a:ext uri="{FF2B5EF4-FFF2-40B4-BE49-F238E27FC236}">
+                <a16:creationId xmlns:a16="http://schemas.microsoft.com/office/drawing/2014/main" id="{84D39D81-9726-4BD7-BDC0-FA0B2AD0D219}"/>
+              </a:ext>
+            </a:extLst>
+          </p:cNvPr>
+          <p:cNvSpPr>
+            <a:spLocks noGrp="1"/>
+          </p:cNvSpPr>
+          <p:nvPr>
+            <p:ph type="body" sz="quarter" idx="17"/>
+          </p:nvPr>
+        </p:nvSpPr>
+        <p:spPr>
+          <a:xfrm>
+            <a:off x="1078733" y="4232949"/>
+            <a:ext cx="1711572" cy="638175"/>
+          </a:xfrm>
+        </p:spPr>
+        <p:txBody>
+          <a:bodyPr/>
+          <a:lstStyle/>
+          <a:p>
+            <a:r>
+              <a:rPr lang="en-US" dirty="0"/>
+              <a:t>Title</a:t>
+            </a:r>
+          </a:p>
+        </p:txBody>
+      </p:sp>
+      <p:sp>
+        <p:nvSpPr>
+          <p:cNvPr id="43" name="Text Placeholder 42">
+            <a:extLst>
+              <a:ext uri="{FF2B5EF4-FFF2-40B4-BE49-F238E27FC236}">
+                <a16:creationId xmlns:a16="http://schemas.microsoft.com/office/drawing/2014/main" id="{E4387CED-5FBE-4AFF-B64D-975B5574F16F}"/>
+              </a:ext>
+            </a:extLst>
+          </p:cNvPr>
+          <p:cNvSpPr>
+            <a:spLocks noGrp="1"/>
+          </p:cNvSpPr>
+          <p:nvPr>
+            <p:ph type="body" sz="quarter" idx="20"/>
+          </p:nvPr>
+        </p:nvSpPr>
+        <p:spPr>
+          <a:xfrm>
+            <a:off x="3839151" y="3781425"/>
+            <a:ext cx="1711325" cy="365760"/>
+          </a:xfrm>
+        </p:spPr>
+        <p:txBody>
+          <a:bodyPr/>
+          <a:lstStyle/>
+          <a:p>
+            <a:r>
+              <a:rPr lang="en-US" dirty="0"/>
+              <a:t>Name</a:t>
+            </a:r>
+          </a:p>
+        </p:txBody>
+      </p:sp>
+      <p:sp>
+        <p:nvSpPr>
+          <p:cNvPr id="42" name="Text Placeholder 41">
+            <a:extLst>
+              <a:ext uri="{FF2B5EF4-FFF2-40B4-BE49-F238E27FC236}">
+                <a16:creationId xmlns:a16="http://schemas.microsoft.com/office/drawing/2014/main" id="{CCDF84CD-BC27-4182-9FBA-9D4FEED95410}"/>
+              </a:ext>
+            </a:extLst>
+          </p:cNvPr>
+          <p:cNvSpPr>
+            <a:spLocks noGrp="1"/>
+          </p:cNvSpPr>
+          <p:nvPr>
+            <p:ph type="body" sz="quarter" idx="19"/>
+          </p:nvPr>
+        </p:nvSpPr>
+        <p:spPr>
+          <a:xfrm>
+            <a:off x="3838384" y="4232949"/>
+            <a:ext cx="1711572" cy="638175"/>
+          </a:xfrm>
+        </p:spPr>
+        <p:txBody>
+          <a:bodyPr/>
+          <a:lstStyle/>
+          <a:p>
+            <a:r>
+              <a:rPr lang="en-US" dirty="0"/>
+              <a:t>Title</a:t>
+            </a:r>
+          </a:p>
+        </p:txBody>
+      </p:sp>
+      <p:sp>
+        <p:nvSpPr>
+          <p:cNvPr id="45" name="Text Placeholder 44">
+            <a:extLst>
+              <a:ext uri="{FF2B5EF4-FFF2-40B4-BE49-F238E27FC236}">
+                <a16:creationId xmlns:a16="http://schemas.microsoft.com/office/drawing/2014/main" id="{FE5CD03B-066A-46AF-8FB8-E8A78074ABEF}"/>
+              </a:ext>
+            </a:extLst>
+          </p:cNvPr>
+          <p:cNvSpPr>
+            <a:spLocks noGrp="1"/>
+          </p:cNvSpPr>
+          <p:nvPr>
+            <p:ph type="body" sz="quarter" idx="22"/>
+          </p:nvPr>
+        </p:nvSpPr>
+        <p:spPr>
+          <a:xfrm>
+            <a:off x="6662743" y="3781425"/>
+            <a:ext cx="1711325" cy="365760"/>
+          </a:xfrm>
+        </p:spPr>
+        <p:txBody>
+          <a:bodyPr/>
+          <a:lstStyle/>
+          <a:p>
+            <a:r>
+              <a:rPr lang="en-US" dirty="0"/>
+              <a:t>Name</a:t>
+            </a:r>
+          </a:p>
+        </p:txBody>
+      </p:sp>
+      <p:sp>
+        <p:nvSpPr>
+          <p:cNvPr id="44" name="Text Placeholder 43">
+            <a:extLst>
+              <a:ext uri="{FF2B5EF4-FFF2-40B4-BE49-F238E27FC236}">
+                <a16:creationId xmlns:a16="http://schemas.microsoft.com/office/drawing/2014/main" id="{10E83414-3440-46C7-8C07-7D073B69C422}"/>
+              </a:ext>
+            </a:extLst>
+          </p:cNvPr>
+          <p:cNvSpPr>
+            <a:spLocks noGrp="1"/>
+          </p:cNvSpPr>
+          <p:nvPr>
+            <p:ph type="body" sz="quarter" idx="21"/>
+          </p:nvPr>
+        </p:nvSpPr>
+        <p:spPr>
+          <a:xfrm>
+            <a:off x="6661976" y="4232949"/>
+            <a:ext cx="1711572" cy="638175"/>
+          </a:xfrm>
+        </p:spPr>
+        <p:txBody>
+          <a:bodyPr/>
+          <a:lstStyle/>
+          <a:p>
+            <a:r>
+              <a:rPr lang="en-US" dirty="0"/>
+              <a:t>Title</a:t>
+            </a:r>
+          </a:p>
+        </p:txBody>
+      </p:sp>
+      <p:sp>
+        <p:nvSpPr>
+          <p:cNvPr id="47" name="Text Placeholder 46">
+            <a:extLst>
+              <a:ext uri="{FF2B5EF4-FFF2-40B4-BE49-F238E27FC236}">
+                <a16:creationId xmlns:a16="http://schemas.microsoft.com/office/drawing/2014/main" id="{F4640D91-CB97-4FCC-8FEF-F4B22B844DC4}"/>
+              </a:ext>
+            </a:extLst>
+          </p:cNvPr>
+          <p:cNvSpPr>
+            <a:spLocks noGrp="1"/>
+          </p:cNvSpPr>
+          <p:nvPr>
+            <p:ph type="body" sz="quarter" idx="24"/>
+          </p:nvPr>
+        </p:nvSpPr>
+        <p:spPr>
+          <a:xfrm>
+            <a:off x="9433112" y="3787288"/>
+            <a:ext cx="1711325" cy="365760"/>
+          </a:xfrm>
+        </p:spPr>
+        <p:txBody>
+          <a:bodyPr/>
+          <a:lstStyle/>
+          <a:p>
+            <a:r>
+              <a:rPr lang="en-US" dirty="0"/>
+              <a:t>Name</a:t>
+            </a:r>
+          </a:p>
+        </p:txBody>
+      </p:sp>
+      <p:sp>
+        <p:nvSpPr>
+          <p:cNvPr id="3" name="Text Placeholder 2">
+            <a:extLst>
+              <a:ext uri="{FF2B5EF4-FFF2-40B4-BE49-F238E27FC236}">
+                <a16:creationId xmlns:a16="http://schemas.microsoft.com/office/drawing/2014/main" id="{B1C6A53C-7538-4FF9-BC09-EFC116FE7054}"/>
+              </a:ext>
+            </a:extLst>
+          </p:cNvPr>
+          <p:cNvSpPr>
+            <a:spLocks noGrp="1"/>
+          </p:cNvSpPr>
+          <p:nvPr>
+            <p:ph type="body" sz="quarter" idx="23"/>
+          </p:nvPr>
+        </p:nvSpPr>
+        <p:spPr>
+          <a:xfrm>
+            <a:off x="9432345" y="4238812"/>
+            <a:ext cx="1711572" cy="638175"/>
+          </a:xfrm>
+        </p:spPr>
+        <p:txBody>
+          <a:bodyPr/>
+          <a:lstStyle/>
+          <a:p>
+            <a:r>
+              <a:rPr lang="en-US" dirty="0"/>
+              <a:t>Title</a:t>
+            </a:r>
+          </a:p>
+        </p:txBody>
+      </p:sp>
+      <p:sp>
+        <p:nvSpPr>
+          <p:cNvPr id="7" name="Date Placeholder 6">
+            <a:extLst>
+              <a:ext uri="{FF2B5EF4-FFF2-40B4-BE49-F238E27FC236}">
+                <a16:creationId xmlns:a16="http://schemas.microsoft.com/office/drawing/2014/main" id="{45F69D6A-822D-4DB9-A2CC-D9106F1F2B68}"/>
+              </a:ext>
+            </a:extLst>
+          </p:cNvPr>
+          <p:cNvSpPr>
+            <a:spLocks noGrp="1"/>
+          </p:cNvSpPr>
+          <p:nvPr>
+            <p:ph type="dt" sz="half" idx="10"/>
+          </p:nvPr>
+        </p:nvSpPr>
+        <p:spPr>
+          <a:xfrm>
+            <a:off x="550863" y="6507212"/>
+            <a:ext cx="2628900" cy="153888"/>
+          </a:xfrm>
+        </p:spPr>
+        <p:txBody>
+          <a:bodyPr/>
+          <a:lstStyle/>
+          <a:p>
+            <a:r>
+              <a:rPr lang="en-US"/>
+              <a:t>Tuesday, February 2, 20XX</a:t>
+            </a:r>
+            <a:endParaRPr lang="en-US" dirty="0"/>
+          </a:p>
+        </p:txBody>
+      </p:sp>
+      <p:sp>
+        <p:nvSpPr>
+          <p:cNvPr id="8" name="Footer Placeholder 7">
+            <a:extLst>
+              <a:ext uri="{FF2B5EF4-FFF2-40B4-BE49-F238E27FC236}">
+                <a16:creationId xmlns:a16="http://schemas.microsoft.com/office/drawing/2014/main" id="{6375D7F3-165A-439B-8D1D-6553B68C2886}"/>
+              </a:ext>
+            </a:extLst>
+          </p:cNvPr>
+          <p:cNvSpPr>
+            <a:spLocks noGrp="1"/>
+          </p:cNvSpPr>
+          <p:nvPr>
+            <p:ph type="ftr" sz="quarter" idx="11"/>
+          </p:nvPr>
+        </p:nvSpPr>
+        <p:spPr>
+          <a:xfrm>
+            <a:off x="3359150" y="6507212"/>
+            <a:ext cx="6379210" cy="153888"/>
+          </a:xfrm>
+        </p:spPr>
+        <p:txBody>
+          <a:bodyPr/>
+          <a:lstStyle/>
+          <a:p>
+            <a:r>
+              <a:rPr lang="en-US"/>
+              <a:t>Sample Footer Text</a:t>
+            </a:r>
+          </a:p>
+        </p:txBody>
+      </p:sp>
+      <p:sp>
+        <p:nvSpPr>
+          <p:cNvPr id="9" name="Slide Number Placeholder 8">
+            <a:extLst>
+              <a:ext uri="{FF2B5EF4-FFF2-40B4-BE49-F238E27FC236}">
+                <a16:creationId xmlns:a16="http://schemas.microsoft.com/office/drawing/2014/main" id="{7AF9A883-CC44-4401-AE67-8FCEACB7DDDA}"/>
+              </a:ext>
+            </a:extLst>
+          </p:cNvPr>
+          <p:cNvSpPr>
+            <a:spLocks noGrp="1"/>
+          </p:cNvSpPr>
+          <p:nvPr>
+            <p:ph type="sldNum" sz="quarter" idx="12"/>
+          </p:nvPr>
+        </p:nvSpPr>
+        <p:spPr>
+          <a:xfrm>
+            <a:off x="9948863" y="6507212"/>
+            <a:ext cx="1692274" cy="153888"/>
+          </a:xfrm>
+        </p:spPr>
+        <p:txBody>
+          <a:bodyPr/>
+          <a:lstStyle/>
+          <a:p>
+            <a:fld id="{DBA1B0FB-D917-4C8C-928F-313BD683BF39}" type="slidenum">
+              <a:rPr lang="en-US" smtClean="0"/>
+              <a:pPr/>
+              <a:t>11</a:t>
+            </a:fld>
+            <a:endParaRPr lang="en-US"/>
+          </a:p>
+        </p:txBody>
+      </p:sp>
+    </p:spTree>
+    <p:extLst>
+      <p:ext uri="{BB962C8B-B14F-4D97-AF65-F5344CB8AC3E}">
+        <p14:creationId xmlns:p14="http://schemas.microsoft.com/office/powerpoint/2010/main" val="2979876663"/>
+      </p:ext>
+    </p:extLst>
+  </p:cSld>
+  <p:clrMapOvr>
+    <a:masterClrMapping/>
+  </p:clrMapOvr>
+</p:sld>
+</file>
+
+<file path=ppt/slides/slide12.xml><?xml version="1.0" encoding="utf-8"?>
+<p:sld xmlns:a="http://schemas.openxmlformats.org/drawingml/2006/main" xmlns:r="http://schemas.openxmlformats.org/officeDocument/2006/relationships" xmlns:p="http://schemas.openxmlformats.org/presentationml/2006/main">
+  <p:cSld>
+    <p:spTree>
+      <p:nvGrpSpPr>
+        <p:cNvPr id="1" name=""/>
+        <p:cNvGrpSpPr/>
+        <p:nvPr/>
+      </p:nvGrpSpPr>
+      <p:grpSpPr>
+        <a:xfrm>
+          <a:off x="0" y="0"/>
+          <a:ext cx="0" cy="0"/>
+          <a:chOff x="0" y="0"/>
+          <a:chExt cx="0" cy="0"/>
+        </a:xfrm>
+      </p:grpSpPr>
+      <p:sp>
+        <p:nvSpPr>
           <p:cNvPr id="7" name="Title 6">
             <a:extLst>
               <a:ext uri="{FF2B5EF4-FFF2-40B4-BE49-F238E27FC236}">
@@ -19796,7 +20074,7 @@
             <a:fld id="{DBA1B0FB-D917-4C8C-928F-313BD683BF39}" type="slidenum">
               <a:rPr lang="en-US" smtClean="0"/>
               <a:pPr/>
-              <a:t>11</a:t>
+              <a:t>12</a:t>
             </a:fld>
             <a:endParaRPr lang="en-US"/>
           </a:p>
@@ -19815,7 +20093,7 @@
 </p:sld>
 </file>
 
-<file path=ppt/slides/slide12.xml><?xml version="1.0" encoding="utf-8"?>
+<file path=ppt/slides/slide13.xml><?xml version="1.0" encoding="utf-8"?>
 <p:sld xmlns:a="http://schemas.openxmlformats.org/drawingml/2006/main" xmlns:r="http://schemas.openxmlformats.org/officeDocument/2006/relationships" xmlns:p="http://schemas.openxmlformats.org/presentationml/2006/main">
   <p:cSld>
     <p:spTree>
@@ -21454,7 +21732,7 @@
             <a:fld id="{DBA1B0FB-D917-4C8C-928F-313BD683BF39}" type="slidenum">
               <a:rPr lang="en-US" smtClean="0"/>
               <a:pPr/>
-              <a:t>12</a:t>
+              <a:t>13</a:t>
             </a:fld>
             <a:endParaRPr lang="en-US"/>
           </a:p>
@@ -21464,243 +21742,6 @@
     <p:extLst>
       <p:ext uri="{BB962C8B-B14F-4D97-AF65-F5344CB8AC3E}">
         <p14:creationId xmlns:p14="http://schemas.microsoft.com/office/powerpoint/2010/main" val="2496947791"/>
-      </p:ext>
-    </p:extLst>
-  </p:cSld>
-  <p:clrMapOvr>
-    <a:masterClrMapping/>
-  </p:clrMapOvr>
-</p:sld>
-</file>
-
-<file path=ppt/slides/slide13.xml><?xml version="1.0" encoding="utf-8"?>
-<p:sld xmlns:a="http://schemas.openxmlformats.org/drawingml/2006/main" xmlns:r="http://schemas.openxmlformats.org/officeDocument/2006/relationships" xmlns:p="http://schemas.openxmlformats.org/presentationml/2006/main">
-  <p:cSld>
-    <p:spTree>
-      <p:nvGrpSpPr>
-        <p:cNvPr id="1" name=""/>
-        <p:cNvGrpSpPr/>
-        <p:nvPr/>
-      </p:nvGrpSpPr>
-      <p:grpSpPr>
-        <a:xfrm>
-          <a:off x="0" y="0"/>
-          <a:ext cx="0" cy="0"/>
-          <a:chOff x="0" y="0"/>
-          <a:chExt cx="0" cy="0"/>
-        </a:xfrm>
-      </p:grpSpPr>
-      <p:sp>
-        <p:nvSpPr>
-          <p:cNvPr id="14" name="Title 13">
-            <a:extLst>
-              <a:ext uri="{FF2B5EF4-FFF2-40B4-BE49-F238E27FC236}">
-                <a16:creationId xmlns:a16="http://schemas.microsoft.com/office/drawing/2014/main" id="{C15EE852-24F1-4643-8082-AB45CFF2BA10}"/>
-              </a:ext>
-            </a:extLst>
-          </p:cNvPr>
-          <p:cNvSpPr>
-            <a:spLocks noGrp="1"/>
-          </p:cNvSpPr>
-          <p:nvPr>
-            <p:ph type="title"/>
-          </p:nvPr>
-        </p:nvSpPr>
-        <p:spPr>
-          <a:xfrm>
-            <a:off x="550864" y="549275"/>
-            <a:ext cx="3566160" cy="3384550"/>
-          </a:xfrm>
-        </p:spPr>
-        <p:txBody>
-          <a:bodyPr>
-            <a:normAutofit/>
-          </a:bodyPr>
-          <a:lstStyle/>
-          <a:p>
-            <a:r>
-              <a:rPr lang="en-US" dirty="0"/>
-              <a:t>The way to get started is to quit talking and begin doing.</a:t>
-            </a:r>
-          </a:p>
-        </p:txBody>
-      </p:sp>
-      <p:sp>
-        <p:nvSpPr>
-          <p:cNvPr id="15" name="Content Placeholder 14">
-            <a:extLst>
-              <a:ext uri="{FF2B5EF4-FFF2-40B4-BE49-F238E27FC236}">
-                <a16:creationId xmlns:a16="http://schemas.microsoft.com/office/drawing/2014/main" id="{4139825C-53C7-44F4-A064-9795CECD081B}"/>
-              </a:ext>
-            </a:extLst>
-          </p:cNvPr>
-          <p:cNvSpPr>
-            <a:spLocks noGrp="1"/>
-          </p:cNvSpPr>
-          <p:nvPr>
-            <p:ph sz="quarter" idx="15"/>
-          </p:nvPr>
-        </p:nvSpPr>
-        <p:spPr>
-          <a:xfrm>
-            <a:off x="550863" y="4097338"/>
-            <a:ext cx="3565524" cy="2351087"/>
-          </a:xfrm>
-        </p:spPr>
-        <p:txBody>
-          <a:bodyPr/>
-          <a:lstStyle/>
-          <a:p>
-            <a:r>
-              <a:rPr lang="en-US" dirty="0"/>
-              <a:t>Walt Disney</a:t>
-            </a:r>
-          </a:p>
-          <a:p>
-            <a:endParaRPr lang="en-US" dirty="0"/>
-          </a:p>
-        </p:txBody>
-      </p:sp>
-      <p:pic>
-        <p:nvPicPr>
-          <p:cNvPr id="18" name="Picture Placeholder 17" descr="A person drawing on a white board">
-            <a:extLst>
-              <a:ext uri="{FF2B5EF4-FFF2-40B4-BE49-F238E27FC236}">
-                <a16:creationId xmlns:a16="http://schemas.microsoft.com/office/drawing/2014/main" id="{301557C2-9072-409B-88EC-E8577CEFCAFB}"/>
-              </a:ext>
-            </a:extLst>
-          </p:cNvPr>
-          <p:cNvPicPr>
-            <a:picLocks noGrp="1" noChangeAspect="1"/>
-          </p:cNvPicPr>
-          <p:nvPr>
-            <p:ph type="pic" sz="quarter" idx="13"/>
-          </p:nvPr>
-        </p:nvPicPr>
-        <p:blipFill rotWithShape="1">
-          <a:blip r:embed="rId2" cstate="screen">
-            <a:extLst>
-              <a:ext uri="{28A0092B-C50C-407E-A947-70E740481C1C}">
-                <a14:useLocalDpi xmlns:a14="http://schemas.microsoft.com/office/drawing/2010/main" val="0"/>
-              </a:ext>
-            </a:extLst>
-          </a:blip>
-          <a:srcRect/>
-          <a:stretch/>
-        </p:blipFill>
-        <p:spPr>
-          <a:xfrm>
-            <a:off x="5535809" y="656633"/>
-            <a:ext cx="5132388" cy="5132388"/>
-          </a:xfrm>
-        </p:spPr>
-      </p:pic>
-      <p:sp>
-        <p:nvSpPr>
-          <p:cNvPr id="19" name="Date Placeholder 18">
-            <a:extLst>
-              <a:ext uri="{FF2B5EF4-FFF2-40B4-BE49-F238E27FC236}">
-                <a16:creationId xmlns:a16="http://schemas.microsoft.com/office/drawing/2014/main" id="{386DB667-0553-4FB8-B0E0-776539934AFF}"/>
-              </a:ext>
-            </a:extLst>
-          </p:cNvPr>
-          <p:cNvSpPr>
-            <a:spLocks noGrp="1"/>
-          </p:cNvSpPr>
-          <p:nvPr>
-            <p:ph type="dt" sz="half" idx="10"/>
-          </p:nvPr>
-        </p:nvSpPr>
-        <p:spPr>
-          <a:xfrm>
-            <a:off x="550863" y="6507212"/>
-            <a:ext cx="2628900" cy="153888"/>
-          </a:xfrm>
-        </p:spPr>
-        <p:txBody>
-          <a:bodyPr/>
-          <a:lstStyle/>
-          <a:p>
-            <a:r>
-              <a:rPr lang="en-US"/>
-              <a:t>Tuesday, February 2, 20XX</a:t>
-            </a:r>
-            <a:endParaRPr lang="en-US" dirty="0"/>
-          </a:p>
-        </p:txBody>
-      </p:sp>
-      <p:sp>
-        <p:nvSpPr>
-          <p:cNvPr id="20" name="Footer Placeholder 19">
-            <a:extLst>
-              <a:ext uri="{FF2B5EF4-FFF2-40B4-BE49-F238E27FC236}">
-                <a16:creationId xmlns:a16="http://schemas.microsoft.com/office/drawing/2014/main" id="{C77C6228-C5A8-44DC-ABD7-A22A4475D3DF}"/>
-              </a:ext>
-            </a:extLst>
-          </p:cNvPr>
-          <p:cNvSpPr>
-            <a:spLocks noGrp="1"/>
-          </p:cNvSpPr>
-          <p:nvPr>
-            <p:ph type="ftr" sz="quarter" idx="11"/>
-          </p:nvPr>
-        </p:nvSpPr>
-        <p:spPr>
-          <a:xfrm>
-            <a:off x="3359150" y="6507212"/>
-            <a:ext cx="6379210" cy="153888"/>
-          </a:xfrm>
-        </p:spPr>
-        <p:txBody>
-          <a:bodyPr/>
-          <a:lstStyle/>
-          <a:p>
-            <a:r>
-              <a:rPr lang="en-US"/>
-              <a:t>Sample Footer Text</a:t>
-            </a:r>
-          </a:p>
-        </p:txBody>
-      </p:sp>
-      <p:sp>
-        <p:nvSpPr>
-          <p:cNvPr id="21" name="Slide Number Placeholder 20">
-            <a:extLst>
-              <a:ext uri="{FF2B5EF4-FFF2-40B4-BE49-F238E27FC236}">
-                <a16:creationId xmlns:a16="http://schemas.microsoft.com/office/drawing/2014/main" id="{1C563B34-DD53-4FB1-B8C2-8914E01C6365}"/>
-              </a:ext>
-            </a:extLst>
-          </p:cNvPr>
-          <p:cNvSpPr>
-            <a:spLocks noGrp="1"/>
-          </p:cNvSpPr>
-          <p:nvPr>
-            <p:ph type="sldNum" sz="quarter" idx="12"/>
-          </p:nvPr>
-        </p:nvSpPr>
-        <p:spPr>
-          <a:xfrm>
-            <a:off x="9948863" y="6507212"/>
-            <a:ext cx="1692274" cy="153888"/>
-          </a:xfrm>
-        </p:spPr>
-        <p:txBody>
-          <a:bodyPr/>
-          <a:lstStyle/>
-          <a:p>
-            <a:fld id="{DBA1B0FB-D917-4C8C-928F-313BD683BF39}" type="slidenum">
-              <a:rPr lang="en-US" smtClean="0"/>
-              <a:pPr/>
-              <a:t>13</a:t>
-            </a:fld>
-            <a:endParaRPr lang="en-US"/>
-          </a:p>
-        </p:txBody>
-      </p:sp>
-    </p:spTree>
-    <p:extLst>
-      <p:ext uri="{BB962C8B-B14F-4D97-AF65-F5344CB8AC3E}">
-        <p14:creationId xmlns:p14="http://schemas.microsoft.com/office/powerpoint/2010/main" val="395518310"/>
       </p:ext>
     </p:extLst>
   </p:cSld>
@@ -21729,6 +21770,243 @@
       </p:grpSpPr>
       <p:sp>
         <p:nvSpPr>
+          <p:cNvPr id="14" name="Title 13">
+            <a:extLst>
+              <a:ext uri="{FF2B5EF4-FFF2-40B4-BE49-F238E27FC236}">
+                <a16:creationId xmlns:a16="http://schemas.microsoft.com/office/drawing/2014/main" id="{C15EE852-24F1-4643-8082-AB45CFF2BA10}"/>
+              </a:ext>
+            </a:extLst>
+          </p:cNvPr>
+          <p:cNvSpPr>
+            <a:spLocks noGrp="1"/>
+          </p:cNvSpPr>
+          <p:nvPr>
+            <p:ph type="title"/>
+          </p:nvPr>
+        </p:nvSpPr>
+        <p:spPr>
+          <a:xfrm>
+            <a:off x="550864" y="549275"/>
+            <a:ext cx="3566160" cy="3384550"/>
+          </a:xfrm>
+        </p:spPr>
+        <p:txBody>
+          <a:bodyPr>
+            <a:normAutofit/>
+          </a:bodyPr>
+          <a:lstStyle/>
+          <a:p>
+            <a:r>
+              <a:rPr lang="en-US" dirty="0"/>
+              <a:t>The way to get started is to quit talking and begin doing.</a:t>
+            </a:r>
+          </a:p>
+        </p:txBody>
+      </p:sp>
+      <p:sp>
+        <p:nvSpPr>
+          <p:cNvPr id="15" name="Content Placeholder 14">
+            <a:extLst>
+              <a:ext uri="{FF2B5EF4-FFF2-40B4-BE49-F238E27FC236}">
+                <a16:creationId xmlns:a16="http://schemas.microsoft.com/office/drawing/2014/main" id="{4139825C-53C7-44F4-A064-9795CECD081B}"/>
+              </a:ext>
+            </a:extLst>
+          </p:cNvPr>
+          <p:cNvSpPr>
+            <a:spLocks noGrp="1"/>
+          </p:cNvSpPr>
+          <p:nvPr>
+            <p:ph sz="quarter" idx="15"/>
+          </p:nvPr>
+        </p:nvSpPr>
+        <p:spPr>
+          <a:xfrm>
+            <a:off x="550863" y="4097338"/>
+            <a:ext cx="3565524" cy="2351087"/>
+          </a:xfrm>
+        </p:spPr>
+        <p:txBody>
+          <a:bodyPr/>
+          <a:lstStyle/>
+          <a:p>
+            <a:r>
+              <a:rPr lang="en-US" dirty="0"/>
+              <a:t>Walt Disney</a:t>
+            </a:r>
+          </a:p>
+          <a:p>
+            <a:endParaRPr lang="en-US" dirty="0"/>
+          </a:p>
+        </p:txBody>
+      </p:sp>
+      <p:pic>
+        <p:nvPicPr>
+          <p:cNvPr id="18" name="Picture Placeholder 17" descr="A person drawing on a white board">
+            <a:extLst>
+              <a:ext uri="{FF2B5EF4-FFF2-40B4-BE49-F238E27FC236}">
+                <a16:creationId xmlns:a16="http://schemas.microsoft.com/office/drawing/2014/main" id="{301557C2-9072-409B-88EC-E8577CEFCAFB}"/>
+              </a:ext>
+            </a:extLst>
+          </p:cNvPr>
+          <p:cNvPicPr>
+            <a:picLocks noGrp="1" noChangeAspect="1"/>
+          </p:cNvPicPr>
+          <p:nvPr>
+            <p:ph type="pic" sz="quarter" idx="13"/>
+          </p:nvPr>
+        </p:nvPicPr>
+        <p:blipFill rotWithShape="1">
+          <a:blip r:embed="rId2" cstate="screen">
+            <a:extLst>
+              <a:ext uri="{28A0092B-C50C-407E-A947-70E740481C1C}">
+                <a14:useLocalDpi xmlns:a14="http://schemas.microsoft.com/office/drawing/2010/main" val="0"/>
+              </a:ext>
+            </a:extLst>
+          </a:blip>
+          <a:srcRect/>
+          <a:stretch/>
+        </p:blipFill>
+        <p:spPr>
+          <a:xfrm>
+            <a:off x="5535809" y="656633"/>
+            <a:ext cx="5132388" cy="5132388"/>
+          </a:xfrm>
+        </p:spPr>
+      </p:pic>
+      <p:sp>
+        <p:nvSpPr>
+          <p:cNvPr id="19" name="Date Placeholder 18">
+            <a:extLst>
+              <a:ext uri="{FF2B5EF4-FFF2-40B4-BE49-F238E27FC236}">
+                <a16:creationId xmlns:a16="http://schemas.microsoft.com/office/drawing/2014/main" id="{386DB667-0553-4FB8-B0E0-776539934AFF}"/>
+              </a:ext>
+            </a:extLst>
+          </p:cNvPr>
+          <p:cNvSpPr>
+            <a:spLocks noGrp="1"/>
+          </p:cNvSpPr>
+          <p:nvPr>
+            <p:ph type="dt" sz="half" idx="10"/>
+          </p:nvPr>
+        </p:nvSpPr>
+        <p:spPr>
+          <a:xfrm>
+            <a:off x="550863" y="6507212"/>
+            <a:ext cx="2628900" cy="153888"/>
+          </a:xfrm>
+        </p:spPr>
+        <p:txBody>
+          <a:bodyPr/>
+          <a:lstStyle/>
+          <a:p>
+            <a:r>
+              <a:rPr lang="en-US"/>
+              <a:t>Tuesday, February 2, 20XX</a:t>
+            </a:r>
+            <a:endParaRPr lang="en-US" dirty="0"/>
+          </a:p>
+        </p:txBody>
+      </p:sp>
+      <p:sp>
+        <p:nvSpPr>
+          <p:cNvPr id="20" name="Footer Placeholder 19">
+            <a:extLst>
+              <a:ext uri="{FF2B5EF4-FFF2-40B4-BE49-F238E27FC236}">
+                <a16:creationId xmlns:a16="http://schemas.microsoft.com/office/drawing/2014/main" id="{C77C6228-C5A8-44DC-ABD7-A22A4475D3DF}"/>
+              </a:ext>
+            </a:extLst>
+          </p:cNvPr>
+          <p:cNvSpPr>
+            <a:spLocks noGrp="1"/>
+          </p:cNvSpPr>
+          <p:nvPr>
+            <p:ph type="ftr" sz="quarter" idx="11"/>
+          </p:nvPr>
+        </p:nvSpPr>
+        <p:spPr>
+          <a:xfrm>
+            <a:off x="3359150" y="6507212"/>
+            <a:ext cx="6379210" cy="153888"/>
+          </a:xfrm>
+        </p:spPr>
+        <p:txBody>
+          <a:bodyPr/>
+          <a:lstStyle/>
+          <a:p>
+            <a:r>
+              <a:rPr lang="en-US"/>
+              <a:t>Sample Footer Text</a:t>
+            </a:r>
+          </a:p>
+        </p:txBody>
+      </p:sp>
+      <p:sp>
+        <p:nvSpPr>
+          <p:cNvPr id="21" name="Slide Number Placeholder 20">
+            <a:extLst>
+              <a:ext uri="{FF2B5EF4-FFF2-40B4-BE49-F238E27FC236}">
+                <a16:creationId xmlns:a16="http://schemas.microsoft.com/office/drawing/2014/main" id="{1C563B34-DD53-4FB1-B8C2-8914E01C6365}"/>
+              </a:ext>
+            </a:extLst>
+          </p:cNvPr>
+          <p:cNvSpPr>
+            <a:spLocks noGrp="1"/>
+          </p:cNvSpPr>
+          <p:nvPr>
+            <p:ph type="sldNum" sz="quarter" idx="12"/>
+          </p:nvPr>
+        </p:nvSpPr>
+        <p:spPr>
+          <a:xfrm>
+            <a:off x="9948863" y="6507212"/>
+            <a:ext cx="1692274" cy="153888"/>
+          </a:xfrm>
+        </p:spPr>
+        <p:txBody>
+          <a:bodyPr/>
+          <a:lstStyle/>
+          <a:p>
+            <a:fld id="{DBA1B0FB-D917-4C8C-928F-313BD683BF39}" type="slidenum">
+              <a:rPr lang="en-US" smtClean="0"/>
+              <a:pPr/>
+              <a:t>14</a:t>
+            </a:fld>
+            <a:endParaRPr lang="en-US"/>
+          </a:p>
+        </p:txBody>
+      </p:sp>
+    </p:spTree>
+    <p:extLst>
+      <p:ext uri="{BB962C8B-B14F-4D97-AF65-F5344CB8AC3E}">
+        <p14:creationId xmlns:p14="http://schemas.microsoft.com/office/powerpoint/2010/main" val="395518310"/>
+      </p:ext>
+    </p:extLst>
+  </p:cSld>
+  <p:clrMapOvr>
+    <a:masterClrMapping/>
+  </p:clrMapOvr>
+</p:sld>
+</file>
+
+<file path=ppt/slides/slide15.xml><?xml version="1.0" encoding="utf-8"?>
+<p:sld xmlns:a="http://schemas.openxmlformats.org/drawingml/2006/main" xmlns:r="http://schemas.openxmlformats.org/officeDocument/2006/relationships" xmlns:p="http://schemas.openxmlformats.org/presentationml/2006/main">
+  <p:cSld>
+    <p:spTree>
+      <p:nvGrpSpPr>
+        <p:cNvPr id="1" name=""/>
+        <p:cNvGrpSpPr/>
+        <p:nvPr/>
+      </p:nvGrpSpPr>
+      <p:grpSpPr>
+        <a:xfrm>
+          <a:off x="0" y="0"/>
+          <a:ext cx="0" cy="0"/>
+          <a:chOff x="0" y="0"/>
+          <a:chExt cx="0" cy="0"/>
+        </a:xfrm>
+      </p:grpSpPr>
+      <p:sp>
+        <p:nvSpPr>
           <p:cNvPr id="3" name="Title 2">
             <a:extLst>
               <a:ext uri="{FF2B5EF4-FFF2-40B4-BE49-F238E27FC236}">
@@ -21887,7 +22165,7 @@
             <a:fld id="{DBA1B0FB-D917-4C8C-928F-313BD683BF39}" type="slidenum">
               <a:rPr lang="en-US" smtClean="0"/>
               <a:pPr/>
-              <a:t>14</a:t>
+              <a:t>15</a:t>
             </a:fld>
             <a:endParaRPr lang="en-US"/>
           </a:p>
@@ -21906,7 +22184,7 @@
 </p:sld>
 </file>
 
-<file path=ppt/slides/slide15.xml><?xml version="1.0" encoding="utf-8"?>
+<file path=ppt/slides/slide16.xml><?xml version="1.0" encoding="utf-8"?>
 <p:sld xmlns:a="http://schemas.openxmlformats.org/drawingml/2006/main" xmlns:r="http://schemas.openxmlformats.org/officeDocument/2006/relationships" xmlns:p="http://schemas.openxmlformats.org/presentationml/2006/main">
   <p:cSld>
     <p:spTree>
@@ -22536,7 +22814,7 @@
             <a:fld id="{DBA1B0FB-D917-4C8C-928F-313BD683BF39}" type="slidenum">
               <a:rPr lang="en-US" smtClean="0"/>
               <a:pPr/>
-              <a:t>15</a:t>
+              <a:t>16</a:t>
             </a:fld>
             <a:endParaRPr lang="en-US"/>
           </a:p>
@@ -22716,7 +22994,7 @@
 </p:sld>
 </file>
 
-<file path=ppt/slides/slide16.xml><?xml version="1.0" encoding="utf-8"?>
+<file path=ppt/slides/slide17.xml><?xml version="1.0" encoding="utf-8"?>
 <p:sld xmlns:a="http://schemas.openxmlformats.org/drawingml/2006/main" xmlns:r="http://schemas.openxmlformats.org/officeDocument/2006/relationships" xmlns:p="http://schemas.openxmlformats.org/presentationml/2006/main">
   <p:cSld>
     <p:spTree>
@@ -23155,7 +23433,7 @@
             <a:fld id="{DBA1B0FB-D917-4C8C-928F-313BD683BF39}" type="slidenum">
               <a:rPr lang="en-US" smtClean="0"/>
               <a:pPr/>
-              <a:t>16</a:t>
+              <a:t>17</a:t>
             </a:fld>
             <a:endParaRPr lang="en-US"/>
           </a:p>
@@ -23544,10 +23822,9 @@
           <a:lstStyle/>
           <a:p>
             <a:r>
-              <a:rPr lang="en-US"/>
+              <a:rPr lang="en-US" b="1" dirty="0"/>
               <a:t>Introduction</a:t>
             </a:r>
-            <a:endParaRPr lang="en-US" dirty="0"/>
           </a:p>
         </p:txBody>
       </p:sp>
@@ -23807,20 +24084,46 @@
         </p:nvSpPr>
         <p:spPr>
           <a:xfrm>
-            <a:off x="5262563" y="4508499"/>
-            <a:ext cx="6221412" cy="1750257"/>
+            <a:off x="5262562" y="4508499"/>
+            <a:ext cx="6929437" cy="2278195"/>
           </a:xfrm>
           <a:noFill/>
         </p:spPr>
         <p:txBody>
           <a:bodyPr>
-            <a:normAutofit/>
+            <a:normAutofit fontScale="25000" lnSpcReduction="20000"/>
           </a:bodyPr>
           <a:lstStyle/>
           <a:p>
             <a:r>
+              <a:rPr lang="en-NZ" sz="10800" b="0" i="0" dirty="0">
+                <a:solidFill>
+                  <a:schemeClr val="tx1"/>
+                </a:solidFill>
+                <a:effectLst/>
+                <a:latin typeface="Google Sans"/>
+              </a:rPr>
+              <a:t>A computer is an electronic device, operating under the control of instructions stored in its own memory that can accept data process the data according to specified rules, produce information and store the information for future use.</a:t>
+            </a:r>
+            <a:endParaRPr lang="en-US" sz="10800" dirty="0">
+              <a:solidFill>
+                <a:schemeClr val="tx1"/>
+              </a:solidFill>
+            </a:endParaRPr>
+          </a:p>
+          <a:p>
+            <a:endParaRPr lang="en-US" dirty="0"/>
+          </a:p>
+          <a:p>
+            <a:endParaRPr lang="en-US" dirty="0"/>
+          </a:p>
+          <a:p>
+            <a:pPr marL="0" indent="0">
+              <a:buNone/>
+            </a:pPr>
+            <a:r>
               <a:rPr lang="en-US" dirty="0"/>
-              <a:t>With PowerPoint, you can create presentations and share your work with others, wherever they are. Type the text you want here to get started. You can also add images, art, and videos on this template. Save to OneDrive and access your presentations from your computer, tablet, or phone. </a:t>
+              <a:t>  </a:t>
             </a:r>
           </a:p>
         </p:txBody>
@@ -24779,7 +25082,12 @@
             <a:fillRect/>
           </a:stretch>
         </p:blipFill>
-        <p:spPr/>
+        <p:spPr>
+          <a:xfrm>
+            <a:off x="0" y="-4"/>
+            <a:ext cx="12192000" cy="6858000"/>
+          </a:xfrm>
+        </p:spPr>
       </p:pic>
       <p:sp>
         <p:nvSpPr>
@@ -24999,13 +25307,13 @@
         </p:nvSpPr>
         <p:spPr>
           <a:xfrm>
-            <a:off x="550863" y="3827610"/>
-            <a:ext cx="5437187" cy="2265216"/>
+            <a:off x="550863" y="3827609"/>
+            <a:ext cx="11344726" cy="3030387"/>
           </a:xfrm>
         </p:spPr>
         <p:txBody>
           <a:bodyPr vert="horz" wrap="square" lIns="0" tIns="0" rIns="0" bIns="0" rtlCol="0">
-            <a:normAutofit/>
+            <a:noAutofit/>
           </a:bodyPr>
           <a:lstStyle/>
           <a:p>
@@ -25016,13 +25324,23 @@
               <a:buNone/>
             </a:pPr>
             <a:r>
-              <a:rPr lang="en-US" kern="1200" dirty="0">
-                <a:latin typeface="+mn-lt"/>
-                <a:ea typeface="+mn-ea"/>
-                <a:cs typeface="+mn-cs"/>
+              <a:rPr lang="en-NZ" sz="2700" b="0" i="0" dirty="0">
+                <a:solidFill>
+                  <a:schemeClr val="tx1"/>
+                </a:solidFill>
+                <a:effectLst/>
+                <a:latin typeface="Google Sans"/>
               </a:rPr>
-              <a:t>Subtitle</a:t>
+              <a:t>If you're serious about gaming, select a gaming PC with a powerful CPU processor and video graphics card. Don't neglect cooling, as gaming uses a lot of power. If you're buying a gaming laptop, see whether it has built-in heatsinks for additional cooling and consider a laptop cooling pad.</a:t>
             </a:r>
+            <a:endParaRPr lang="en-US" sz="2700" kern="1200" dirty="0">
+              <a:solidFill>
+                <a:schemeClr val="tx1"/>
+              </a:solidFill>
+              <a:latin typeface="+mn-lt"/>
+              <a:ea typeface="+mn-ea"/>
+              <a:cs typeface="+mn-cs"/>
+            </a:endParaRPr>
           </a:p>
         </p:txBody>
       </p:sp>
@@ -26286,12 +26604,12 @@
         <p:spPr>
           <a:xfrm>
             <a:off x="550863" y="3827610"/>
-            <a:ext cx="5437187" cy="2265216"/>
+            <a:ext cx="11411838" cy="2679598"/>
           </a:xfrm>
         </p:spPr>
         <p:txBody>
           <a:bodyPr vert="horz" wrap="square" lIns="0" tIns="0" rIns="0" bIns="0" rtlCol="0">
-            <a:normAutofit/>
+            <a:noAutofit/>
           </a:bodyPr>
           <a:lstStyle/>
           <a:p>
@@ -26302,13 +26620,23 @@
               <a:buNone/>
             </a:pPr>
             <a:r>
-              <a:rPr lang="en-US" kern="1200" dirty="0">
-                <a:latin typeface="+mn-lt"/>
-                <a:ea typeface="+mn-ea"/>
-                <a:cs typeface="+mn-cs"/>
+              <a:rPr lang="en-NZ" sz="2700" b="0" i="0" dirty="0">
+                <a:solidFill>
+                  <a:schemeClr val="tx1"/>
+                </a:solidFill>
+                <a:effectLst/>
+                <a:latin typeface="Google Sans"/>
               </a:rPr>
-              <a:t>Subtitle</a:t>
+              <a:t>The video game industry encompasses the development, marketing, and monetization of video games. The industry encompasses dozens of job disciplines and thousands of jobs worldwide.</a:t>
             </a:r>
+            <a:endParaRPr lang="en-US" sz="2700" kern="1200" dirty="0">
+              <a:solidFill>
+                <a:schemeClr val="tx1"/>
+              </a:solidFill>
+              <a:latin typeface="+mn-lt"/>
+              <a:ea typeface="+mn-ea"/>
+              <a:cs typeface="+mn-cs"/>
+            </a:endParaRPr>
           </a:p>
         </p:txBody>
       </p:sp>
@@ -26411,6 +26739,393 @@
 </file>
 
 <file path=ppt/slides/slide6.xml><?xml version="1.0" encoding="utf-8"?>
+<p:sld xmlns:a="http://schemas.openxmlformats.org/drawingml/2006/main" xmlns:r="http://schemas.openxmlformats.org/officeDocument/2006/relationships" xmlns:p="http://schemas.openxmlformats.org/presentationml/2006/main">
+  <p:cSld>
+    <p:bg>
+      <p:bgPr>
+        <a:solidFill>
+          <a:schemeClr val="bg2"/>
+        </a:solidFill>
+        <a:effectLst/>
+      </p:bgPr>
+    </p:bg>
+    <p:spTree>
+      <p:nvGrpSpPr>
+        <p:cNvPr id="1" name=""/>
+        <p:cNvGrpSpPr/>
+        <p:nvPr/>
+      </p:nvGrpSpPr>
+      <p:grpSpPr>
+        <a:xfrm>
+          <a:off x="0" y="0"/>
+          <a:ext cx="0" cy="0"/>
+          <a:chOff x="0" y="0"/>
+          <a:chExt cx="0" cy="0"/>
+        </a:xfrm>
+      </p:grpSpPr>
+      <p:pic>
+        <p:nvPicPr>
+          <p:cNvPr id="8" name="Picture Placeholder 7" descr="Data Points Digital background">
+            <a:extLst>
+              <a:ext uri="{FF2B5EF4-FFF2-40B4-BE49-F238E27FC236}">
+                <a16:creationId xmlns:a16="http://schemas.microsoft.com/office/drawing/2014/main" id="{5FED7C55-F545-49A1-90FD-D853A25AB453}"/>
+              </a:ext>
+            </a:extLst>
+          </p:cNvPr>
+          <p:cNvPicPr>
+            <a:picLocks noGrp="1" noChangeAspect="1"/>
+          </p:cNvPicPr>
+          <p:nvPr>
+            <p:ph type="pic" sz="quarter" idx="13"/>
+          </p:nvPr>
+        </p:nvPicPr>
+        <p:blipFill rotWithShape="1">
+          <a:blip r:embed="rId3">
+            <a:extLst>
+              <a:ext uri="{28A0092B-C50C-407E-A947-70E740481C1C}">
+                <a14:useLocalDpi xmlns:a14="http://schemas.microsoft.com/office/drawing/2010/main" val="0"/>
+              </a:ext>
+            </a:extLst>
+          </a:blip>
+          <a:srcRect/>
+          <a:stretch/>
+        </p:blipFill>
+        <p:spPr>
+          <a:xfrm>
+            <a:off x="0" y="28064"/>
+            <a:ext cx="12192000" cy="7017763"/>
+          </a:xfrm>
+        </p:spPr>
+      </p:pic>
+      <p:sp>
+        <p:nvSpPr>
+          <p:cNvPr id="16" name="Subtitle 15">
+            <a:extLst>
+              <a:ext uri="{FF2B5EF4-FFF2-40B4-BE49-F238E27FC236}">
+                <a16:creationId xmlns:a16="http://schemas.microsoft.com/office/drawing/2014/main" id="{4BDCF583-1D5D-4235-97C2-39272B80A0B1}"/>
+              </a:ext>
+            </a:extLst>
+          </p:cNvPr>
+          <p:cNvSpPr>
+            <a:spLocks noGrp="1"/>
+          </p:cNvSpPr>
+          <p:nvPr>
+            <p:ph type="subTitle" idx="1"/>
+          </p:nvPr>
+        </p:nvSpPr>
+        <p:spPr>
+          <a:xfrm>
+            <a:off x="0" y="3557281"/>
+            <a:ext cx="11836866" cy="3300719"/>
+          </a:xfrm>
+        </p:spPr>
+        <p:txBody>
+          <a:bodyPr vert="horz" wrap="square" lIns="0" tIns="0" rIns="0" bIns="0" rtlCol="0">
+            <a:noAutofit/>
+          </a:bodyPr>
+          <a:lstStyle/>
+          <a:p>
+            <a:pPr marL="0" indent="0">
+              <a:lnSpc>
+                <a:spcPct val="100000"/>
+              </a:lnSpc>
+              <a:buNone/>
+            </a:pPr>
+            <a:r>
+              <a:rPr lang="en-NZ" sz="2700" b="0" i="0" dirty="0">
+                <a:solidFill>
+                  <a:schemeClr val="tx1"/>
+                </a:solidFill>
+                <a:effectLst/>
+                <a:latin typeface="Google Sans"/>
+              </a:rPr>
+              <a:t>Choose a case that's compatible with your gaming environment and visual preferences. Prioritize choosing the right CPU and GPU, especially if you plan to play at higher resolutions or FPS. Consider an SSD for faster loading times. Make sure the system has plenty of accessible USB ports for connecting gaming devices.</a:t>
+            </a:r>
+            <a:endParaRPr lang="en-US" sz="2700" kern="1200" dirty="0">
+              <a:solidFill>
+                <a:schemeClr val="tx1"/>
+              </a:solidFill>
+              <a:latin typeface="+mn-lt"/>
+              <a:ea typeface="+mn-ea"/>
+              <a:cs typeface="+mn-cs"/>
+            </a:endParaRPr>
+          </a:p>
+        </p:txBody>
+      </p:sp>
+      <p:sp>
+        <p:nvSpPr>
+          <p:cNvPr id="15" name="Title 14">
+            <a:extLst>
+              <a:ext uri="{FF2B5EF4-FFF2-40B4-BE49-F238E27FC236}">
+                <a16:creationId xmlns:a16="http://schemas.microsoft.com/office/drawing/2014/main" id="{40F1DF5B-353A-4270-8C10-6A1509441174}"/>
+              </a:ext>
+            </a:extLst>
+          </p:cNvPr>
+          <p:cNvSpPr>
+            <a:spLocks noGrp="1"/>
+          </p:cNvSpPr>
+          <p:nvPr>
+            <p:ph type="ctrTitle"/>
+          </p:nvPr>
+        </p:nvSpPr>
+        <p:spPr>
+          <a:xfrm>
+            <a:off x="55748" y="21772"/>
+            <a:ext cx="6640285" cy="3535509"/>
+          </a:xfrm>
+        </p:spPr>
+        <p:txBody>
+          <a:bodyPr vert="horz" wrap="square" lIns="0" tIns="0" rIns="0" bIns="0" rtlCol="0" anchor="b" anchorCtr="0">
+            <a:normAutofit/>
+          </a:bodyPr>
+          <a:lstStyle/>
+          <a:p>
+            <a:pPr>
+              <a:lnSpc>
+                <a:spcPct val="100000"/>
+              </a:lnSpc>
+            </a:pPr>
+            <a:r>
+              <a:rPr lang="en-US" dirty="0"/>
+              <a:t>Selection</a:t>
+            </a:r>
+            <a:endParaRPr lang="en-US" sz="6400" kern="1200" dirty="0">
+              <a:solidFill>
+                <a:schemeClr val="tx1"/>
+              </a:solidFill>
+              <a:latin typeface="+mj-lt"/>
+              <a:ea typeface="+mj-ea"/>
+              <a:cs typeface="+mj-cs"/>
+            </a:endParaRPr>
+          </a:p>
+        </p:txBody>
+      </p:sp>
+      <p:sp>
+        <p:nvSpPr>
+          <p:cNvPr id="2" name="Date Placeholder 1">
+            <a:extLst>
+              <a:ext uri="{FF2B5EF4-FFF2-40B4-BE49-F238E27FC236}">
+                <a16:creationId xmlns:a16="http://schemas.microsoft.com/office/drawing/2014/main" id="{2910D835-B454-4270-BB35-86A187307E6F}"/>
+              </a:ext>
+            </a:extLst>
+          </p:cNvPr>
+          <p:cNvSpPr>
+            <a:spLocks noGrp="1"/>
+          </p:cNvSpPr>
+          <p:nvPr>
+            <p:ph type="dt" sz="half" idx="4294967295"/>
+          </p:nvPr>
+        </p:nvSpPr>
+        <p:spPr>
+          <a:xfrm>
+            <a:off x="0" y="6507163"/>
+            <a:ext cx="2628900" cy="153987"/>
+          </a:xfrm>
+        </p:spPr>
+        <p:txBody>
+          <a:bodyPr/>
+          <a:lstStyle/>
+          <a:p>
+            <a:r>
+              <a:rPr lang="en-US"/>
+              <a:t>Tuesday, February 2, 20XX</a:t>
+            </a:r>
+          </a:p>
+        </p:txBody>
+      </p:sp>
+      <p:sp>
+        <p:nvSpPr>
+          <p:cNvPr id="3" name="Footer Placeholder 2">
+            <a:extLst>
+              <a:ext uri="{FF2B5EF4-FFF2-40B4-BE49-F238E27FC236}">
+                <a16:creationId xmlns:a16="http://schemas.microsoft.com/office/drawing/2014/main" id="{7F7F653B-90B5-4F47-A33F-93DCB2EF68C2}"/>
+              </a:ext>
+            </a:extLst>
+          </p:cNvPr>
+          <p:cNvSpPr>
+            <a:spLocks noGrp="1"/>
+          </p:cNvSpPr>
+          <p:nvPr>
+            <p:ph type="ftr" sz="quarter" idx="4294967295"/>
+          </p:nvPr>
+        </p:nvSpPr>
+        <p:spPr>
+          <a:xfrm>
+            <a:off x="5813425" y="6507163"/>
+            <a:ext cx="6378575" cy="153987"/>
+          </a:xfrm>
+        </p:spPr>
+        <p:txBody>
+          <a:bodyPr/>
+          <a:lstStyle/>
+          <a:p>
+            <a:r>
+              <a:rPr lang="en-US"/>
+              <a:t>Sample Footer Text</a:t>
+            </a:r>
+          </a:p>
+        </p:txBody>
+      </p:sp>
+      <p:sp>
+        <p:nvSpPr>
+          <p:cNvPr id="4" name="Slide Number Placeholder 3">
+            <a:extLst>
+              <a:ext uri="{FF2B5EF4-FFF2-40B4-BE49-F238E27FC236}">
+                <a16:creationId xmlns:a16="http://schemas.microsoft.com/office/drawing/2014/main" id="{E1E7D98D-6710-41D2-B258-E1A1059D29F8}"/>
+              </a:ext>
+            </a:extLst>
+          </p:cNvPr>
+          <p:cNvSpPr>
+            <a:spLocks noGrp="1"/>
+          </p:cNvSpPr>
+          <p:nvPr>
+            <p:ph type="sldNum" sz="quarter" idx="4294967295"/>
+          </p:nvPr>
+        </p:nvSpPr>
+        <p:spPr>
+          <a:xfrm>
+            <a:off x="10499725" y="6507163"/>
+            <a:ext cx="1692275" cy="153987"/>
+          </a:xfrm>
+        </p:spPr>
+        <p:txBody>
+          <a:bodyPr/>
+          <a:lstStyle/>
+          <a:p>
+            <a:fld id="{DBA1B0FB-D917-4C8C-928F-313BD683BF39}" type="slidenum">
+              <a:rPr lang="en-US" smtClean="0"/>
+              <a:t>6</a:t>
+            </a:fld>
+            <a:endParaRPr lang="en-US"/>
+          </a:p>
+        </p:txBody>
+      </p:sp>
+    </p:spTree>
+    <p:extLst>
+      <p:ext uri="{BB962C8B-B14F-4D97-AF65-F5344CB8AC3E}">
+        <p14:creationId xmlns:p14="http://schemas.microsoft.com/office/powerpoint/2010/main" val="1966302396"/>
+      </p:ext>
+    </p:extLst>
+  </p:cSld>
+  <p:clrMapOvr>
+    <a:masterClrMapping/>
+  </p:clrMapOvr>
+</p:sld>
+</file>
+
+<file path=ppt/slides/slide7.xml><?xml version="1.0" encoding="utf-8"?>
+<p:sld xmlns:a="http://schemas.openxmlformats.org/drawingml/2006/main" xmlns:r="http://schemas.openxmlformats.org/officeDocument/2006/relationships" xmlns:p="http://schemas.openxmlformats.org/presentationml/2006/main">
+  <p:cSld>
+    <p:spTree>
+      <p:nvGrpSpPr>
+        <p:cNvPr id="1" name=""/>
+        <p:cNvGrpSpPr/>
+        <p:nvPr/>
+      </p:nvGrpSpPr>
+      <p:grpSpPr>
+        <a:xfrm>
+          <a:off x="0" y="0"/>
+          <a:ext cx="0" cy="0"/>
+          <a:chOff x="0" y="0"/>
+          <a:chExt cx="0" cy="0"/>
+        </a:xfrm>
+      </p:grpSpPr>
+      <p:sp>
+        <p:nvSpPr>
+          <p:cNvPr id="5" name="Title 4">
+            <a:extLst>
+              <a:ext uri="{FF2B5EF4-FFF2-40B4-BE49-F238E27FC236}">
+                <a16:creationId xmlns:a16="http://schemas.microsoft.com/office/drawing/2014/main" id="{9839F0B6-8639-8CF8-4849-2263315CB368}"/>
+              </a:ext>
+            </a:extLst>
+          </p:cNvPr>
+          <p:cNvSpPr>
+            <a:spLocks noGrp="1"/>
+          </p:cNvSpPr>
+          <p:nvPr>
+            <p:ph type="title"/>
+          </p:nvPr>
+        </p:nvSpPr>
+        <p:spPr/>
+        <p:txBody>
+          <a:bodyPr/>
+          <a:lstStyle/>
+          <a:p>
+            <a:r>
+              <a:rPr lang="en-NZ" dirty="0"/>
+              <a:t>Choses</a:t>
+            </a:r>
+          </a:p>
+        </p:txBody>
+      </p:sp>
+      <p:sp>
+        <p:nvSpPr>
+          <p:cNvPr id="6" name="Content Placeholder 5">
+            <a:extLst>
+              <a:ext uri="{FF2B5EF4-FFF2-40B4-BE49-F238E27FC236}">
+                <a16:creationId xmlns:a16="http://schemas.microsoft.com/office/drawing/2014/main" id="{224927E9-4604-8362-9111-790AFD0BA94B}"/>
+              </a:ext>
+            </a:extLst>
+          </p:cNvPr>
+          <p:cNvSpPr>
+            <a:spLocks noGrp="1"/>
+          </p:cNvSpPr>
+          <p:nvPr>
+            <p:ph idx="1"/>
+          </p:nvPr>
+        </p:nvSpPr>
+        <p:spPr/>
+        <p:txBody>
+          <a:bodyPr/>
+          <a:lstStyle/>
+          <a:p>
+            <a:r>
+              <a:rPr lang="en-NZ" sz="2700" dirty="0"/>
+              <a:t>Alienware Aurora </a:t>
+            </a:r>
+            <a:r>
+              <a:rPr lang="en-NZ" sz="2700" dirty="0" err="1"/>
+              <a:t>Ryzen</a:t>
+            </a:r>
+            <a:r>
+              <a:rPr lang="en-NZ" sz="2700" dirty="0"/>
+              <a:t>                   $1000                                 Dell</a:t>
+            </a:r>
+          </a:p>
+          <a:p>
+            <a:r>
+              <a:rPr lang="en-NZ" sz="2700" dirty="0"/>
+              <a:t>MSI Aegis RS                                    $3029                                 Amazon</a:t>
+            </a:r>
+          </a:p>
+          <a:p>
+            <a:r>
+              <a:rPr lang="en-NZ" sz="2700" dirty="0"/>
+              <a:t>HP Omen 25L                                  $800                                  Best Buy</a:t>
+            </a:r>
+          </a:p>
+          <a:p>
+            <a:r>
+              <a:rPr lang="en-NZ" sz="2700" dirty="0"/>
+              <a:t>MSI Infinite RS                                  $4399                                 Amazon</a:t>
+            </a:r>
+          </a:p>
+        </p:txBody>
+      </p:sp>
+    </p:spTree>
+    <p:extLst>
+      <p:ext uri="{BB962C8B-B14F-4D97-AF65-F5344CB8AC3E}">
+        <p14:creationId xmlns:p14="http://schemas.microsoft.com/office/powerpoint/2010/main" val="2111508169"/>
+      </p:ext>
+    </p:extLst>
+  </p:cSld>
+  <p:clrMapOvr>
+    <a:masterClrMapping/>
+  </p:clrMapOvr>
+</p:sld>
+</file>
+
+<file path=ppt/slides/slide8.xml><?xml version="1.0" encoding="utf-8"?>
 <p:sld xmlns:a="http://schemas.openxmlformats.org/drawingml/2006/main" xmlns:r="http://schemas.openxmlformats.org/officeDocument/2006/relationships" xmlns:p="http://schemas.openxmlformats.org/presentationml/2006/main">
   <p:cSld>
     <p:bg>
@@ -27524,1292 +28239,6 @@
         <p:spPr>
           <a:xfrm>
             <a:off x="550863" y="549275"/>
-            <a:ext cx="3905727" cy="2986234"/>
-          </a:xfrm>
-        </p:spPr>
-        <p:txBody>
-          <a:bodyPr vert="horz" wrap="square" lIns="0" tIns="0" rIns="0" bIns="0" rtlCol="0" anchor="b" anchorCtr="0">
-            <a:normAutofit/>
-          </a:bodyPr>
-          <a:lstStyle/>
-          <a:p>
-            <a:pPr>
-              <a:lnSpc>
-                <a:spcPct val="100000"/>
-              </a:lnSpc>
-            </a:pPr>
-            <a:r>
-              <a:rPr lang="en-US" dirty="0"/>
-              <a:t>Selection</a:t>
-            </a:r>
-            <a:endParaRPr lang="en-US" sz="6400" kern="1200" dirty="0">
-              <a:solidFill>
-                <a:schemeClr val="tx1"/>
-              </a:solidFill>
-              <a:latin typeface="+mj-lt"/>
-              <a:ea typeface="+mj-ea"/>
-              <a:cs typeface="+mj-cs"/>
-            </a:endParaRPr>
-          </a:p>
-        </p:txBody>
-      </p:sp>
-      <p:sp>
-        <p:nvSpPr>
-          <p:cNvPr id="16" name="Subtitle 15">
-            <a:extLst>
-              <a:ext uri="{FF2B5EF4-FFF2-40B4-BE49-F238E27FC236}">
-                <a16:creationId xmlns:a16="http://schemas.microsoft.com/office/drawing/2014/main" id="{4BDCF583-1D5D-4235-97C2-39272B80A0B1}"/>
-              </a:ext>
-            </a:extLst>
-          </p:cNvPr>
-          <p:cNvSpPr>
-            <a:spLocks noGrp="1"/>
-          </p:cNvSpPr>
-          <p:nvPr>
-            <p:ph type="subTitle" idx="1"/>
-          </p:nvPr>
-        </p:nvSpPr>
-        <p:spPr>
-          <a:xfrm>
-            <a:off x="550863" y="3827610"/>
-            <a:ext cx="5437187" cy="2265216"/>
-          </a:xfrm>
-        </p:spPr>
-        <p:txBody>
-          <a:bodyPr vert="horz" wrap="square" lIns="0" tIns="0" rIns="0" bIns="0" rtlCol="0">
-            <a:normAutofit/>
-          </a:bodyPr>
-          <a:lstStyle/>
-          <a:p>
-            <a:pPr marL="0" indent="0">
-              <a:lnSpc>
-                <a:spcPct val="100000"/>
-              </a:lnSpc>
-              <a:buNone/>
-            </a:pPr>
-            <a:r>
-              <a:rPr lang="en-US" kern="1200" dirty="0">
-                <a:latin typeface="+mn-lt"/>
-                <a:ea typeface="+mn-ea"/>
-                <a:cs typeface="+mn-cs"/>
-              </a:rPr>
-              <a:t>Subtitle</a:t>
-            </a:r>
-          </a:p>
-        </p:txBody>
-      </p:sp>
-      <p:sp>
-        <p:nvSpPr>
-          <p:cNvPr id="2" name="Date Placeholder 1">
-            <a:extLst>
-              <a:ext uri="{FF2B5EF4-FFF2-40B4-BE49-F238E27FC236}">
-                <a16:creationId xmlns:a16="http://schemas.microsoft.com/office/drawing/2014/main" id="{2910D835-B454-4270-BB35-86A187307E6F}"/>
-              </a:ext>
-            </a:extLst>
-          </p:cNvPr>
-          <p:cNvSpPr>
-            <a:spLocks noGrp="1"/>
-          </p:cNvSpPr>
-          <p:nvPr>
-            <p:ph type="dt" sz="half" idx="10"/>
-          </p:nvPr>
-        </p:nvSpPr>
-        <p:spPr/>
-        <p:txBody>
-          <a:bodyPr/>
-          <a:lstStyle/>
-          <a:p>
-            <a:r>
-              <a:rPr lang="en-US"/>
-              <a:t>Tuesday, February 2, 20XX</a:t>
-            </a:r>
-          </a:p>
-        </p:txBody>
-      </p:sp>
-      <p:sp>
-        <p:nvSpPr>
-          <p:cNvPr id="3" name="Footer Placeholder 2">
-            <a:extLst>
-              <a:ext uri="{FF2B5EF4-FFF2-40B4-BE49-F238E27FC236}">
-                <a16:creationId xmlns:a16="http://schemas.microsoft.com/office/drawing/2014/main" id="{7F7F653B-90B5-4F47-A33F-93DCB2EF68C2}"/>
-              </a:ext>
-            </a:extLst>
-          </p:cNvPr>
-          <p:cNvSpPr>
-            <a:spLocks noGrp="1"/>
-          </p:cNvSpPr>
-          <p:nvPr>
-            <p:ph type="ftr" sz="quarter" idx="11"/>
-          </p:nvPr>
-        </p:nvSpPr>
-        <p:spPr/>
-        <p:txBody>
-          <a:bodyPr/>
-          <a:lstStyle/>
-          <a:p>
-            <a:r>
-              <a:rPr lang="en-US"/>
-              <a:t>Sample Footer Text</a:t>
-            </a:r>
-          </a:p>
-        </p:txBody>
-      </p:sp>
-      <p:sp>
-        <p:nvSpPr>
-          <p:cNvPr id="4" name="Slide Number Placeholder 3">
-            <a:extLst>
-              <a:ext uri="{FF2B5EF4-FFF2-40B4-BE49-F238E27FC236}">
-                <a16:creationId xmlns:a16="http://schemas.microsoft.com/office/drawing/2014/main" id="{E1E7D98D-6710-41D2-B258-E1A1059D29F8}"/>
-              </a:ext>
-            </a:extLst>
-          </p:cNvPr>
-          <p:cNvSpPr>
-            <a:spLocks noGrp="1"/>
-          </p:cNvSpPr>
-          <p:nvPr>
-            <p:ph type="sldNum" sz="quarter" idx="12"/>
-          </p:nvPr>
-        </p:nvSpPr>
-        <p:spPr/>
-        <p:txBody>
-          <a:bodyPr/>
-          <a:lstStyle/>
-          <a:p>
-            <a:fld id="{DBA1B0FB-D917-4C8C-928F-313BD683BF39}" type="slidenum">
-              <a:rPr lang="en-US" smtClean="0"/>
-              <a:t>6</a:t>
-            </a:fld>
-            <a:endParaRPr lang="en-US"/>
-          </a:p>
-        </p:txBody>
-      </p:sp>
-    </p:spTree>
-    <p:extLst>
-      <p:ext uri="{BB962C8B-B14F-4D97-AF65-F5344CB8AC3E}">
-        <p14:creationId xmlns:p14="http://schemas.microsoft.com/office/powerpoint/2010/main" val="1966302396"/>
-      </p:ext>
-    </p:extLst>
-  </p:cSld>
-  <p:clrMapOvr>
-    <a:masterClrMapping/>
-  </p:clrMapOvr>
-</p:sld>
-</file>
-
-<file path=ppt/slides/slide7.xml><?xml version="1.0" encoding="utf-8"?>
-<p:sld xmlns:a="http://schemas.openxmlformats.org/drawingml/2006/main" xmlns:r="http://schemas.openxmlformats.org/officeDocument/2006/relationships" xmlns:p="http://schemas.openxmlformats.org/presentationml/2006/main">
-  <p:cSld>
-    <p:bg>
-      <p:bgPr>
-        <a:solidFill>
-          <a:schemeClr val="bg2"/>
-        </a:solidFill>
-        <a:effectLst/>
-      </p:bgPr>
-    </p:bg>
-    <p:spTree>
-      <p:nvGrpSpPr>
-        <p:cNvPr id="1" name=""/>
-        <p:cNvGrpSpPr/>
-        <p:nvPr/>
-      </p:nvGrpSpPr>
-      <p:grpSpPr>
-        <a:xfrm>
-          <a:off x="0" y="0"/>
-          <a:ext cx="0" cy="0"/>
-          <a:chOff x="0" y="0"/>
-          <a:chExt cx="0" cy="0"/>
-        </a:xfrm>
-      </p:grpSpPr>
-      <p:sp>
-        <p:nvSpPr>
-          <p:cNvPr id="34" name="Freeform: Shape 33">
-            <a:extLst>
-              <a:ext uri="{FF2B5EF4-FFF2-40B4-BE49-F238E27FC236}">
-                <a16:creationId xmlns:a16="http://schemas.microsoft.com/office/drawing/2014/main" id="{82184FF4-7029-4ED7-813A-192E60608764}"/>
-              </a:ext>
-              <a:ext uri="{C183D7F6-B498-43B3-948B-1728B52AA6E4}">
-                <adec:decorative xmlns:adec="http://schemas.microsoft.com/office/drawing/2017/decorative" val="1"/>
-              </a:ext>
-            </a:extLst>
-          </p:cNvPr>
-          <p:cNvSpPr>
-            <a:spLocks noGrp="1" noRot="1" noChangeAspect="1" noMove="1" noResize="1" noEditPoints="1" noAdjustHandles="1" noChangeArrowheads="1" noChangeShapeType="1" noTextEdit="1"/>
-          </p:cNvSpPr>
-          <p:nvPr>
-            <p:extLst>
-              <p:ext uri="{386F3935-93C4-4BCD-93E2-E3B085C9AB24}">
-                <p16:designElem xmlns:p16="http://schemas.microsoft.com/office/powerpoint/2015/main" val="1"/>
-              </p:ext>
-            </p:extLst>
-          </p:nvPr>
-        </p:nvSpPr>
-        <p:spPr>
-          <a:xfrm rot="2700000">
-            <a:off x="612445" y="481888"/>
-            <a:ext cx="1080000" cy="1262947"/>
-          </a:xfrm>
-          <a:custGeom>
-            <a:avLst/>
-            <a:gdLst/>
-            <a:ahLst/>
-            <a:cxnLst/>
-            <a:rect l="l" t="t" r="r" b="b"/>
-            <a:pathLst>
-              <a:path w="1080000" h="1262947">
-                <a:moveTo>
-                  <a:pt x="540000" y="0"/>
-                </a:moveTo>
-                <a:lnTo>
-                  <a:pt x="1064374" y="931034"/>
-                </a:lnTo>
-                <a:lnTo>
-                  <a:pt x="1069029" y="938533"/>
-                </a:lnTo>
-                <a:cubicBezTo>
-                  <a:pt x="1076223" y="956109"/>
-                  <a:pt x="1080000" y="974307"/>
-                  <a:pt x="1080000" y="992947"/>
-                </a:cubicBezTo>
-                <a:cubicBezTo>
-                  <a:pt x="1080000" y="1142064"/>
-                  <a:pt x="838234" y="1262947"/>
-                  <a:pt x="540000" y="1262947"/>
-                </a:cubicBezTo>
-                <a:cubicBezTo>
-                  <a:pt x="241766" y="1262947"/>
-                  <a:pt x="0" y="1142064"/>
-                  <a:pt x="0" y="992947"/>
-                </a:cubicBezTo>
-                <a:cubicBezTo>
-                  <a:pt x="0" y="974307"/>
-                  <a:pt x="3778" y="956109"/>
-                  <a:pt x="10971" y="938533"/>
-                </a:cubicBezTo>
-                <a:lnTo>
-                  <a:pt x="15626" y="931034"/>
-                </a:lnTo>
-                <a:lnTo>
-                  <a:pt x="540000" y="0"/>
-                </a:lnTo>
-                <a:close/>
-              </a:path>
-            </a:pathLst>
-          </a:custGeom>
-          <a:gradFill>
-            <a:gsLst>
-              <a:gs pos="60000">
-                <a:schemeClr val="bg2">
-                  <a:lumMod val="90000"/>
-                  <a:lumOff val="10000"/>
-                </a:schemeClr>
-              </a:gs>
-              <a:gs pos="30000">
-                <a:schemeClr val="bg2">
-                  <a:lumMod val="90000"/>
-                  <a:lumOff val="10000"/>
-                </a:schemeClr>
-              </a:gs>
-              <a:gs pos="40000">
-                <a:schemeClr val="bg2">
-                  <a:lumMod val="75000"/>
-                  <a:lumOff val="25000"/>
-                </a:schemeClr>
-              </a:gs>
-              <a:gs pos="100000">
-                <a:schemeClr val="bg2"/>
-              </a:gs>
-            </a:gsLst>
-            <a:lin ang="600000" scaled="0"/>
-          </a:gradFill>
-          <a:ln>
-            <a:noFill/>
-          </a:ln>
-          <a:effectLst>
-            <a:innerShdw blurRad="254000" dist="101600" dir="2700000">
-              <a:schemeClr val="accent1">
-                <a:lumMod val="60000"/>
-                <a:lumOff val="40000"/>
-                <a:alpha val="40000"/>
-              </a:schemeClr>
-            </a:innerShdw>
-          </a:effectLst>
-        </p:spPr>
-        <p:style>
-          <a:lnRef idx="2">
-            <a:schemeClr val="accent1">
-              <a:shade val="50000"/>
-            </a:schemeClr>
-          </a:lnRef>
-          <a:fillRef idx="1">
-            <a:schemeClr val="accent1"/>
-          </a:fillRef>
-          <a:effectRef idx="0">
-            <a:schemeClr val="accent1"/>
-          </a:effectRef>
-          <a:fontRef idx="minor">
-            <a:schemeClr val="lt1"/>
-          </a:fontRef>
-        </p:style>
-        <p:txBody>
-          <a:bodyPr rot="0" spcFirstLastPara="0" vertOverflow="overflow" horzOverflow="overflow" vert="horz" wrap="square" lIns="91440" tIns="45720" rIns="91440" bIns="45720" numCol="1" spcCol="0" rtlCol="0" fromWordArt="0" anchor="ctr" anchorCtr="0" forceAA="0" compatLnSpc="1">
-            <a:prstTxWarp prst="textNoShape">
-              <a:avLst/>
-            </a:prstTxWarp>
-            <a:noAutofit/>
-          </a:bodyPr>
-          <a:lstStyle/>
-          <a:p>
-            <a:pPr algn="ctr"/>
-            <a:endParaRPr lang="en-US"/>
-          </a:p>
-        </p:txBody>
-      </p:sp>
-      <p:sp>
-        <p:nvSpPr>
-          <p:cNvPr id="36" name="Oval 35">
-            <a:extLst>
-              <a:ext uri="{FF2B5EF4-FFF2-40B4-BE49-F238E27FC236}">
-                <a16:creationId xmlns:a16="http://schemas.microsoft.com/office/drawing/2014/main" id="{AAA7AB09-557C-41AD-9113-FF9F68FA1035}"/>
-              </a:ext>
-              <a:ext uri="{C183D7F6-B498-43B3-948B-1728B52AA6E4}">
-                <adec:decorative xmlns:adec="http://schemas.microsoft.com/office/drawing/2017/decorative" val="1"/>
-              </a:ext>
-            </a:extLst>
-          </p:cNvPr>
-          <p:cNvSpPr>
-            <a:spLocks noGrp="1" noRot="1" noChangeAspect="1" noMove="1" noResize="1" noEditPoints="1" noAdjustHandles="1" noChangeArrowheads="1" noChangeShapeType="1" noTextEdit="1"/>
-          </p:cNvSpPr>
-          <p:nvPr>
-            <p:extLst>
-              <p:ext uri="{386F3935-93C4-4BCD-93E2-E3B085C9AB24}">
-                <p16:designElem xmlns:p16="http://schemas.microsoft.com/office/powerpoint/2015/main" val="1"/>
-              </p:ext>
-            </p:extLst>
-          </p:nvPr>
-        </p:nvSpPr>
-        <p:spPr>
-          <a:xfrm rot="8100000">
-            <a:off x="626845" y="828962"/>
-            <a:ext cx="540000" cy="1080000"/>
-          </a:xfrm>
-          <a:prstGeom prst="ellipse">
-            <a:avLst/>
-          </a:prstGeom>
-          <a:gradFill>
-            <a:gsLst>
-              <a:gs pos="100000">
-                <a:schemeClr val="bg2">
-                  <a:lumMod val="90000"/>
-                  <a:lumOff val="10000"/>
-                </a:schemeClr>
-              </a:gs>
-              <a:gs pos="50000">
-                <a:schemeClr val="bg2">
-                  <a:lumMod val="95000"/>
-                  <a:lumOff val="5000"/>
-                </a:schemeClr>
-              </a:gs>
-            </a:gsLst>
-            <a:lin ang="5400000" scaled="0"/>
-          </a:gradFill>
-          <a:ln>
-            <a:noFill/>
-          </a:ln>
-          <a:effectLst>
-            <a:innerShdw blurRad="1270000" dist="2540000">
-              <a:schemeClr val="accent1">
-                <a:lumMod val="60000"/>
-                <a:lumOff val="40000"/>
-                <a:alpha val="0"/>
-              </a:schemeClr>
-            </a:innerShdw>
-          </a:effectLst>
-        </p:spPr>
-        <p:style>
-          <a:lnRef idx="2">
-            <a:schemeClr val="accent1">
-              <a:shade val="50000"/>
-            </a:schemeClr>
-          </a:lnRef>
-          <a:fillRef idx="1">
-            <a:schemeClr val="accent1"/>
-          </a:fillRef>
-          <a:effectRef idx="0">
-            <a:schemeClr val="accent1"/>
-          </a:effectRef>
-          <a:fontRef idx="minor">
-            <a:schemeClr val="lt1"/>
-          </a:fontRef>
-        </p:style>
-        <p:txBody>
-          <a:bodyPr rot="0" spcFirstLastPara="0" vertOverflow="overflow" horzOverflow="overflow" vert="horz" wrap="square" lIns="91440" tIns="45720" rIns="91440" bIns="45720" numCol="1" spcCol="0" rtlCol="0" fromWordArt="0" anchor="ctr" anchorCtr="0" forceAA="0" compatLnSpc="1">
-            <a:prstTxWarp prst="textNoShape">
-              <a:avLst/>
-            </a:prstTxWarp>
-            <a:noAutofit/>
-          </a:bodyPr>
-          <a:lstStyle/>
-          <a:p>
-            <a:pPr algn="ctr"/>
-            <a:endParaRPr lang="en-US"/>
-          </a:p>
-        </p:txBody>
-      </p:sp>
-      <p:sp>
-        <p:nvSpPr>
-          <p:cNvPr id="38" name="Oval 37">
-            <a:extLst>
-              <a:ext uri="{FF2B5EF4-FFF2-40B4-BE49-F238E27FC236}">
-                <a16:creationId xmlns:a16="http://schemas.microsoft.com/office/drawing/2014/main" id="{EF99ECAA-1F11-4937-BBA6-51935AB44C9D}"/>
-              </a:ext>
-              <a:ext uri="{C183D7F6-B498-43B3-948B-1728B52AA6E4}">
-                <adec:decorative xmlns:adec="http://schemas.microsoft.com/office/drawing/2017/decorative" val="1"/>
-              </a:ext>
-            </a:extLst>
-          </p:cNvPr>
-          <p:cNvSpPr>
-            <a:spLocks noGrp="1" noRot="1" noChangeAspect="1" noMove="1" noResize="1" noEditPoints="1" noAdjustHandles="1" noChangeArrowheads="1" noChangeShapeType="1" noTextEdit="1"/>
-          </p:cNvSpPr>
-          <p:nvPr>
-            <p:extLst>
-              <p:ext uri="{386F3935-93C4-4BCD-93E2-E3B085C9AB24}">
-                <p16:designElem xmlns:p16="http://schemas.microsoft.com/office/powerpoint/2015/main" val="1"/>
-              </p:ext>
-            </p:extLst>
-          </p:nvPr>
-        </p:nvSpPr>
-        <p:spPr>
-          <a:xfrm>
-            <a:off x="1800802" y="2472855"/>
-            <a:ext cx="360000" cy="360000"/>
-          </a:xfrm>
-          <a:prstGeom prst="ellipse">
-            <a:avLst/>
-          </a:prstGeom>
-          <a:gradFill flip="none" rotWithShape="1">
-            <a:gsLst>
-              <a:gs pos="100000">
-                <a:schemeClr val="bg2">
-                  <a:lumMod val="50000"/>
-                  <a:lumOff val="50000"/>
-                </a:schemeClr>
-              </a:gs>
-              <a:gs pos="60000">
-                <a:schemeClr val="bg2"/>
-              </a:gs>
-            </a:gsLst>
-            <a:path path="circle">
-              <a:fillToRect l="100000" b="100000"/>
-            </a:path>
-            <a:tileRect t="-100000" r="-100000"/>
-          </a:gradFill>
-          <a:ln>
-            <a:noFill/>
-          </a:ln>
-          <a:effectLst>
-            <a:innerShdw blurRad="127000" dist="63500" dir="2700000">
-              <a:schemeClr val="accent1">
-                <a:lumMod val="60000"/>
-                <a:lumOff val="40000"/>
-                <a:alpha val="20000"/>
-              </a:schemeClr>
-            </a:innerShdw>
-            <a:softEdge rad="0"/>
-          </a:effectLst>
-        </p:spPr>
-        <p:style>
-          <a:lnRef idx="2">
-            <a:schemeClr val="accent1">
-              <a:shade val="50000"/>
-            </a:schemeClr>
-          </a:lnRef>
-          <a:fillRef idx="1">
-            <a:schemeClr val="accent1"/>
-          </a:fillRef>
-          <a:effectRef idx="0">
-            <a:schemeClr val="accent1"/>
-          </a:effectRef>
-          <a:fontRef idx="minor">
-            <a:schemeClr val="lt1"/>
-          </a:fontRef>
-        </p:style>
-        <p:txBody>
-          <a:bodyPr rot="0" spcFirstLastPara="0" vertOverflow="overflow" horzOverflow="overflow" vert="horz" wrap="square" lIns="91440" tIns="45720" rIns="91440" bIns="45720" numCol="1" spcCol="0" rtlCol="0" fromWordArt="0" anchor="ctr" anchorCtr="0" forceAA="0" compatLnSpc="1">
-            <a:prstTxWarp prst="textNoShape">
-              <a:avLst/>
-            </a:prstTxWarp>
-            <a:noAutofit/>
-          </a:bodyPr>
-          <a:lstStyle/>
-          <a:p>
-            <a:pPr algn="ctr"/>
-            <a:endParaRPr lang="en-US"/>
-          </a:p>
-        </p:txBody>
-      </p:sp>
-      <p:grpSp>
-        <p:nvGrpSpPr>
-          <p:cNvPr id="40" name="Group 39">
-            <a:extLst>
-              <a:ext uri="{FF2B5EF4-FFF2-40B4-BE49-F238E27FC236}">
-                <a16:creationId xmlns:a16="http://schemas.microsoft.com/office/drawing/2014/main" id="{79DE9FAB-6BBA-4CFE-B67D-77B47F01ECA4}"/>
-              </a:ext>
-              <a:ext uri="{C183D7F6-B498-43B3-948B-1728B52AA6E4}">
-                <adec:decorative xmlns:adec="http://schemas.microsoft.com/office/drawing/2017/decorative" val="1"/>
-              </a:ext>
-            </a:extLst>
-          </p:cNvPr>
-          <p:cNvGrpSpPr>
-            <a:grpSpLocks noGrp="1" noUngrp="1" noRot="1" noChangeAspect="1" noMove="1" noResize="1"/>
-          </p:cNvGrpSpPr>
-          <p:nvPr>
-            <p:extLst>
-              <p:ext uri="{386F3935-93C4-4BCD-93E2-E3B085C9AB24}">
-                <p16:designElem xmlns:p16="http://schemas.microsoft.com/office/powerpoint/2015/main" val="1"/>
-              </p:ext>
-            </p:extLst>
-          </p:nvPr>
-        </p:nvGrpSpPr>
-        <p:grpSpPr>
-          <a:xfrm>
-            <a:off x="1329952" y="4524379"/>
-            <a:ext cx="1980001" cy="1363916"/>
-            <a:chOff x="4879602" y="3781429"/>
-            <a:chExt cx="1980001" cy="1363916"/>
-          </a:xfrm>
-        </p:grpSpPr>
-        <p:sp>
-          <p:nvSpPr>
-            <p:cNvPr id="41" name="Freeform: Shape 40">
-              <a:extLst>
-                <a:ext uri="{FF2B5EF4-FFF2-40B4-BE49-F238E27FC236}">
-                  <a16:creationId xmlns:a16="http://schemas.microsoft.com/office/drawing/2014/main" id="{79FAC916-D9BB-4794-81B4-7C47C67E850D}"/>
-                </a:ext>
-                <a:ext uri="{C183D7F6-B498-43B3-948B-1728B52AA6E4}">
-                  <adec:decorative xmlns:adec="http://schemas.microsoft.com/office/drawing/2017/decorative" val="1"/>
-                </a:ext>
-              </a:extLst>
-            </p:cNvPr>
-            <p:cNvSpPr>
-              <a:spLocks noChangeAspect="1"/>
-            </p:cNvSpPr>
-            <p:nvPr>
-              <p:extLst>
-                <p:ext uri="{386F3935-93C4-4BCD-93E2-E3B085C9AB24}">
-                  <p16:designElem xmlns:p16="http://schemas.microsoft.com/office/powerpoint/2015/main" val="1"/>
-                </p:ext>
-              </p:extLst>
-            </p:nvPr>
-          </p:nvSpPr>
-          <p:spPr>
-            <a:xfrm rot="18900000" flipV="1">
-              <a:off x="5005634" y="4191206"/>
-              <a:ext cx="1853969" cy="926985"/>
-            </a:xfrm>
-            <a:custGeom>
-              <a:avLst/>
-              <a:gdLst>
-                <a:gd name="connsiteX0" fmla="*/ 1329373 w 2658746"/>
-                <a:gd name="connsiteY0" fmla="*/ 0 h 1329373"/>
-                <a:gd name="connsiteX1" fmla="*/ 2658746 w 2658746"/>
-                <a:gd name="connsiteY1" fmla="*/ 1329373 h 1329373"/>
-                <a:gd name="connsiteX2" fmla="*/ 1994059 w 2658746"/>
-                <a:gd name="connsiteY2" fmla="*/ 1329373 h 1329373"/>
-                <a:gd name="connsiteX3" fmla="*/ 1329373 w 2658746"/>
-                <a:gd name="connsiteY3" fmla="*/ 664687 h 1329373"/>
-                <a:gd name="connsiteX4" fmla="*/ 664687 w 2658746"/>
-                <a:gd name="connsiteY4" fmla="*/ 1329373 h 1329373"/>
-                <a:gd name="connsiteX5" fmla="*/ 0 w 2658746"/>
-                <a:gd name="connsiteY5" fmla="*/ 1329373 h 1329373"/>
-                <a:gd name="connsiteX6" fmla="*/ 1329373 w 2658746"/>
-                <a:gd name="connsiteY6" fmla="*/ 0 h 1329373"/>
-              </a:gdLst>
-              <a:ahLst/>
-              <a:cxnLst>
-                <a:cxn ang="0">
-                  <a:pos x="connsiteX0" y="connsiteY0"/>
-                </a:cxn>
-                <a:cxn ang="0">
-                  <a:pos x="connsiteX1" y="connsiteY1"/>
-                </a:cxn>
-                <a:cxn ang="0">
-                  <a:pos x="connsiteX2" y="connsiteY2"/>
-                </a:cxn>
-                <a:cxn ang="0">
-                  <a:pos x="connsiteX3" y="connsiteY3"/>
-                </a:cxn>
-                <a:cxn ang="0">
-                  <a:pos x="connsiteX4" y="connsiteY4"/>
-                </a:cxn>
-                <a:cxn ang="0">
-                  <a:pos x="connsiteX5" y="connsiteY5"/>
-                </a:cxn>
-                <a:cxn ang="0">
-                  <a:pos x="connsiteX6" y="connsiteY6"/>
-                </a:cxn>
-              </a:cxnLst>
-              <a:rect l="l" t="t" r="r" b="b"/>
-              <a:pathLst>
-                <a:path w="2658746" h="1329373">
-                  <a:moveTo>
-                    <a:pt x="1329373" y="0"/>
-                  </a:moveTo>
-                  <a:cubicBezTo>
-                    <a:pt x="2063565" y="0"/>
-                    <a:pt x="2658746" y="595181"/>
-                    <a:pt x="2658746" y="1329373"/>
-                  </a:cubicBezTo>
-                  <a:lnTo>
-                    <a:pt x="1994059" y="1329373"/>
-                  </a:lnTo>
-                  <a:cubicBezTo>
-                    <a:pt x="1994059" y="962277"/>
-                    <a:pt x="1696469" y="664687"/>
-                    <a:pt x="1329373" y="664687"/>
-                  </a:cubicBezTo>
-                  <a:cubicBezTo>
-                    <a:pt x="962277" y="664687"/>
-                    <a:pt x="664687" y="962277"/>
-                    <a:pt x="664687" y="1329373"/>
-                  </a:cubicBezTo>
-                  <a:lnTo>
-                    <a:pt x="0" y="1329373"/>
-                  </a:lnTo>
-                  <a:cubicBezTo>
-                    <a:pt x="0" y="595181"/>
-                    <a:pt x="595181" y="0"/>
-                    <a:pt x="1329373" y="0"/>
-                  </a:cubicBezTo>
-                  <a:close/>
-                </a:path>
-              </a:pathLst>
-            </a:custGeom>
-            <a:solidFill>
-              <a:schemeClr val="bg2"/>
-            </a:solidFill>
-            <a:ln>
-              <a:noFill/>
-            </a:ln>
-            <a:effectLst>
-              <a:innerShdw blurRad="254000" dist="50800" dir="16200000">
-                <a:schemeClr val="accent1">
-                  <a:lumMod val="40000"/>
-                  <a:lumOff val="60000"/>
-                  <a:alpha val="40000"/>
-                </a:schemeClr>
-              </a:innerShdw>
-            </a:effectLst>
-          </p:spPr>
-          <p:style>
-            <a:lnRef idx="2">
-              <a:schemeClr val="accent1">
-                <a:shade val="50000"/>
-              </a:schemeClr>
-            </a:lnRef>
-            <a:fillRef idx="1">
-              <a:schemeClr val="accent1"/>
-            </a:fillRef>
-            <a:effectRef idx="0">
-              <a:schemeClr val="accent1"/>
-            </a:effectRef>
-            <a:fontRef idx="minor">
-              <a:schemeClr val="lt1"/>
-            </a:fontRef>
-          </p:style>
-          <p:txBody>
-            <a:bodyPr rtlCol="0" anchor="ctr"/>
-            <a:lstStyle/>
-            <a:p>
-              <a:pPr algn="ctr"/>
-              <a:endParaRPr lang="en-US"/>
-            </a:p>
-          </p:txBody>
-        </p:sp>
-        <p:sp>
-          <p:nvSpPr>
-            <p:cNvPr id="42" name="Freeform: Shape 41">
-              <a:extLst>
-                <a:ext uri="{FF2B5EF4-FFF2-40B4-BE49-F238E27FC236}">
-                  <a16:creationId xmlns:a16="http://schemas.microsoft.com/office/drawing/2014/main" id="{B5CA2231-7A65-4D16-8400-A210CC41DB73}"/>
-                </a:ext>
-                <a:ext uri="{C183D7F6-B498-43B3-948B-1728B52AA6E4}">
-                  <adec:decorative xmlns:adec="http://schemas.microsoft.com/office/drawing/2017/decorative" val="1"/>
-                </a:ext>
-              </a:extLst>
-            </p:cNvPr>
-            <p:cNvSpPr>
-              <a:spLocks noChangeAspect="1"/>
-            </p:cNvSpPr>
-            <p:nvPr>
-              <p:extLst>
-                <p:ext uri="{386F3935-93C4-4BCD-93E2-E3B085C9AB24}">
-                  <p16:designElem xmlns:p16="http://schemas.microsoft.com/office/powerpoint/2015/main" val="1"/>
-                </p:ext>
-              </p:extLst>
-            </p:nvPr>
-          </p:nvSpPr>
-          <p:spPr>
-            <a:xfrm rot="18900000" flipV="1">
-              <a:off x="4957101" y="4052255"/>
-              <a:ext cx="1853969" cy="1093090"/>
-            </a:xfrm>
-            <a:custGeom>
-              <a:avLst/>
-              <a:gdLst>
-                <a:gd name="connsiteX0" fmla="*/ 1329373 w 2658746"/>
-                <a:gd name="connsiteY0" fmla="*/ 0 h 1329373"/>
-                <a:gd name="connsiteX1" fmla="*/ 2658746 w 2658746"/>
-                <a:gd name="connsiteY1" fmla="*/ 1329373 h 1329373"/>
-                <a:gd name="connsiteX2" fmla="*/ 1994059 w 2658746"/>
-                <a:gd name="connsiteY2" fmla="*/ 1329373 h 1329373"/>
-                <a:gd name="connsiteX3" fmla="*/ 1329373 w 2658746"/>
-                <a:gd name="connsiteY3" fmla="*/ 664687 h 1329373"/>
-                <a:gd name="connsiteX4" fmla="*/ 664687 w 2658746"/>
-                <a:gd name="connsiteY4" fmla="*/ 1329373 h 1329373"/>
-                <a:gd name="connsiteX5" fmla="*/ 0 w 2658746"/>
-                <a:gd name="connsiteY5" fmla="*/ 1329373 h 1329373"/>
-                <a:gd name="connsiteX6" fmla="*/ 1329373 w 2658746"/>
-                <a:gd name="connsiteY6" fmla="*/ 0 h 1329373"/>
-              </a:gdLst>
-              <a:ahLst/>
-              <a:cxnLst>
-                <a:cxn ang="0">
-                  <a:pos x="connsiteX0" y="connsiteY0"/>
-                </a:cxn>
-                <a:cxn ang="0">
-                  <a:pos x="connsiteX1" y="connsiteY1"/>
-                </a:cxn>
-                <a:cxn ang="0">
-                  <a:pos x="connsiteX2" y="connsiteY2"/>
-                </a:cxn>
-                <a:cxn ang="0">
-                  <a:pos x="connsiteX3" y="connsiteY3"/>
-                </a:cxn>
-                <a:cxn ang="0">
-                  <a:pos x="connsiteX4" y="connsiteY4"/>
-                </a:cxn>
-                <a:cxn ang="0">
-                  <a:pos x="connsiteX5" y="connsiteY5"/>
-                </a:cxn>
-                <a:cxn ang="0">
-                  <a:pos x="connsiteX6" y="connsiteY6"/>
-                </a:cxn>
-              </a:cxnLst>
-              <a:rect l="l" t="t" r="r" b="b"/>
-              <a:pathLst>
-                <a:path w="2658746" h="1329373">
-                  <a:moveTo>
-                    <a:pt x="1329373" y="0"/>
-                  </a:moveTo>
-                  <a:cubicBezTo>
-                    <a:pt x="2063565" y="0"/>
-                    <a:pt x="2658746" y="595181"/>
-                    <a:pt x="2658746" y="1329373"/>
-                  </a:cubicBezTo>
-                  <a:lnTo>
-                    <a:pt x="1994059" y="1329373"/>
-                  </a:lnTo>
-                  <a:cubicBezTo>
-                    <a:pt x="1994059" y="962277"/>
-                    <a:pt x="1696469" y="664687"/>
-                    <a:pt x="1329373" y="664687"/>
-                  </a:cubicBezTo>
-                  <a:cubicBezTo>
-                    <a:pt x="962277" y="664687"/>
-                    <a:pt x="664687" y="962277"/>
-                    <a:pt x="664687" y="1329373"/>
-                  </a:cubicBezTo>
-                  <a:lnTo>
-                    <a:pt x="0" y="1329373"/>
-                  </a:lnTo>
-                  <a:cubicBezTo>
-                    <a:pt x="0" y="595181"/>
-                    <a:pt x="595181" y="0"/>
-                    <a:pt x="1329373" y="0"/>
-                  </a:cubicBezTo>
-                  <a:close/>
-                </a:path>
-              </a:pathLst>
-            </a:custGeom>
-            <a:solidFill>
-              <a:schemeClr val="bg2">
-                <a:lumMod val="50000"/>
-                <a:lumOff val="50000"/>
-                <a:alpha val="40000"/>
-              </a:schemeClr>
-            </a:solidFill>
-            <a:ln>
-              <a:noFill/>
-            </a:ln>
-            <a:effectLst>
-              <a:softEdge rad="190500"/>
-            </a:effectLst>
-          </p:spPr>
-          <p:style>
-            <a:lnRef idx="2">
-              <a:schemeClr val="accent1">
-                <a:shade val="50000"/>
-              </a:schemeClr>
-            </a:lnRef>
-            <a:fillRef idx="1">
-              <a:schemeClr val="accent1"/>
-            </a:fillRef>
-            <a:effectRef idx="0">
-              <a:schemeClr val="accent1"/>
-            </a:effectRef>
-            <a:fontRef idx="minor">
-              <a:schemeClr val="lt1"/>
-            </a:fontRef>
-          </p:style>
-          <p:txBody>
-            <a:bodyPr rtlCol="0" anchor="ctr"/>
-            <a:lstStyle/>
-            <a:p>
-              <a:pPr algn="ctr"/>
-              <a:endParaRPr lang="en-US">
-                <a:solidFill>
-                  <a:schemeClr val="tx1"/>
-                </a:solidFill>
-              </a:endParaRPr>
-            </a:p>
-          </p:txBody>
-        </p:sp>
-        <p:sp>
-          <p:nvSpPr>
-            <p:cNvPr id="43" name="Oval 42">
-              <a:extLst>
-                <a:ext uri="{FF2B5EF4-FFF2-40B4-BE49-F238E27FC236}">
-                  <a16:creationId xmlns:a16="http://schemas.microsoft.com/office/drawing/2014/main" id="{4B089C8C-B82B-4704-88E2-E857A5E21529}"/>
-                </a:ext>
-                <a:ext uri="{C183D7F6-B498-43B3-948B-1728B52AA6E4}">
-                  <adec:decorative xmlns:adec="http://schemas.microsoft.com/office/drawing/2017/decorative" val="1"/>
-                </a:ext>
-              </a:extLst>
-            </p:cNvPr>
-            <p:cNvSpPr/>
-            <p:nvPr>
-              <p:extLst>
-                <p:ext uri="{386F3935-93C4-4BCD-93E2-E3B085C9AB24}">
-                  <p16:designElem xmlns:p16="http://schemas.microsoft.com/office/powerpoint/2015/main" val="1"/>
-                </p:ext>
-              </p:extLst>
-            </p:nvPr>
-          </p:nvSpPr>
-          <p:spPr>
-            <a:xfrm rot="13500000" flipV="1">
-              <a:off x="6040374" y="3601683"/>
-              <a:ext cx="107098" cy="466589"/>
-            </a:xfrm>
-            <a:prstGeom prst="ellipse">
-              <a:avLst/>
-            </a:prstGeom>
-            <a:solidFill>
-              <a:schemeClr val="bg2">
-                <a:lumMod val="90000"/>
-                <a:lumOff val="10000"/>
-              </a:schemeClr>
-            </a:solidFill>
-            <a:ln>
-              <a:noFill/>
-            </a:ln>
-            <a:effectLst>
-              <a:innerShdw blurRad="63500" dist="2540000">
-                <a:schemeClr val="accent1">
-                  <a:lumMod val="60000"/>
-                  <a:lumOff val="40000"/>
-                  <a:alpha val="0"/>
-                </a:schemeClr>
-              </a:innerShdw>
-            </a:effectLst>
-          </p:spPr>
-          <p:style>
-            <a:lnRef idx="2">
-              <a:schemeClr val="accent1">
-                <a:shade val="50000"/>
-              </a:schemeClr>
-            </a:lnRef>
-            <a:fillRef idx="1">
-              <a:schemeClr val="accent1"/>
-            </a:fillRef>
-            <a:effectRef idx="0">
-              <a:schemeClr val="accent1"/>
-            </a:effectRef>
-            <a:fontRef idx="minor">
-              <a:schemeClr val="lt1"/>
-            </a:fontRef>
-          </p:style>
-          <p:txBody>
-            <a:bodyPr rot="0" spcFirstLastPara="0" vertOverflow="overflow" horzOverflow="overflow" vert="horz" wrap="square" lIns="91440" tIns="45720" rIns="91440" bIns="45720" numCol="1" spcCol="0" rtlCol="0" fromWordArt="0" anchor="ctr" anchorCtr="0" forceAA="0" compatLnSpc="1">
-              <a:prstTxWarp prst="textNoShape">
-                <a:avLst/>
-              </a:prstTxWarp>
-              <a:noAutofit/>
-            </a:bodyPr>
-            <a:lstStyle/>
-            <a:p>
-              <a:pPr algn="ctr"/>
-              <a:endParaRPr lang="en-US"/>
-            </a:p>
-          </p:txBody>
-        </p:sp>
-        <p:sp>
-          <p:nvSpPr>
-            <p:cNvPr id="44" name="Oval 43">
-              <a:extLst>
-                <a:ext uri="{FF2B5EF4-FFF2-40B4-BE49-F238E27FC236}">
-                  <a16:creationId xmlns:a16="http://schemas.microsoft.com/office/drawing/2014/main" id="{434B90C8-5B4D-456E-AD99-80EF748FDD72}"/>
-                </a:ext>
-                <a:ext uri="{C183D7F6-B498-43B3-948B-1728B52AA6E4}">
-                  <adec:decorative xmlns:adec="http://schemas.microsoft.com/office/drawing/2017/decorative" val="1"/>
-                </a:ext>
-              </a:extLst>
-            </p:cNvPr>
-            <p:cNvSpPr/>
-            <p:nvPr>
-              <p:extLst>
-                <p:ext uri="{386F3935-93C4-4BCD-93E2-E3B085C9AB24}">
-                  <p16:designElem xmlns:p16="http://schemas.microsoft.com/office/powerpoint/2015/main" val="1"/>
-                </p:ext>
-              </p:extLst>
-            </p:nvPr>
-          </p:nvSpPr>
-          <p:spPr>
-            <a:xfrm rot="13500000" flipV="1">
-              <a:off x="5059348" y="4582709"/>
-              <a:ext cx="107098" cy="466589"/>
-            </a:xfrm>
-            <a:prstGeom prst="ellipse">
-              <a:avLst/>
-            </a:prstGeom>
-            <a:solidFill>
-              <a:schemeClr val="bg2">
-                <a:lumMod val="90000"/>
-                <a:lumOff val="10000"/>
-              </a:schemeClr>
-            </a:solidFill>
-            <a:ln>
-              <a:noFill/>
-            </a:ln>
-            <a:effectLst>
-              <a:innerShdw blurRad="63500" dist="2540000">
-                <a:schemeClr val="accent1">
-                  <a:lumMod val="60000"/>
-                  <a:lumOff val="40000"/>
-                  <a:alpha val="0"/>
-                </a:schemeClr>
-              </a:innerShdw>
-            </a:effectLst>
-          </p:spPr>
-          <p:style>
-            <a:lnRef idx="2">
-              <a:schemeClr val="accent1">
-                <a:shade val="50000"/>
-              </a:schemeClr>
-            </a:lnRef>
-            <a:fillRef idx="1">
-              <a:schemeClr val="accent1"/>
-            </a:fillRef>
-            <a:effectRef idx="0">
-              <a:schemeClr val="accent1"/>
-            </a:effectRef>
-            <a:fontRef idx="minor">
-              <a:schemeClr val="lt1"/>
-            </a:fontRef>
-          </p:style>
-          <p:txBody>
-            <a:bodyPr rot="0" spcFirstLastPara="0" vertOverflow="overflow" horzOverflow="overflow" vert="horz" wrap="square" lIns="91440" tIns="45720" rIns="91440" bIns="45720" numCol="1" spcCol="0" rtlCol="0" fromWordArt="0" anchor="ctr" anchorCtr="0" forceAA="0" compatLnSpc="1">
-              <a:prstTxWarp prst="textNoShape">
-                <a:avLst/>
-              </a:prstTxWarp>
-              <a:noAutofit/>
-            </a:bodyPr>
-            <a:lstStyle/>
-            <a:p>
-              <a:pPr algn="ctr"/>
-              <a:endParaRPr lang="en-US"/>
-            </a:p>
-          </p:txBody>
-        </p:sp>
-      </p:grpSp>
-      <p:sp useBgFill="1">
-        <p:nvSpPr>
-          <p:cNvPr id="46" name="Rectangle 45">
-            <a:extLst>
-              <a:ext uri="{FF2B5EF4-FFF2-40B4-BE49-F238E27FC236}">
-                <a16:creationId xmlns:a16="http://schemas.microsoft.com/office/drawing/2014/main" id="{1DB043B4-68C6-45B9-82AC-A5800EADB8DB}"/>
-              </a:ext>
-              <a:ext uri="{C183D7F6-B498-43B3-948B-1728B52AA6E4}">
-                <adec:decorative xmlns:adec="http://schemas.microsoft.com/office/drawing/2017/decorative" val="1"/>
-              </a:ext>
-            </a:extLst>
-          </p:cNvPr>
-          <p:cNvSpPr>
-            <a:spLocks noGrp="1" noRot="1" noChangeAspect="1" noMove="1" noResize="1" noEditPoints="1" noAdjustHandles="1" noChangeArrowheads="1" noChangeShapeType="1" noTextEdit="1"/>
-          </p:cNvSpPr>
-          <p:nvPr>
-            <p:extLst>
-              <p:ext uri="{386F3935-93C4-4BCD-93E2-E3B085C9AB24}">
-                <p16:designElem xmlns:p16="http://schemas.microsoft.com/office/powerpoint/2015/main" val="1"/>
-              </p:ext>
-            </p:extLst>
-          </p:nvPr>
-        </p:nvSpPr>
-        <p:spPr>
-          <a:xfrm>
-            <a:off x="0" y="0"/>
-            <a:ext cx="12192000" cy="6858000"/>
-          </a:xfrm>
-          <a:prstGeom prst="rect">
-            <a:avLst/>
-          </a:prstGeom>
-          <a:ln w="12700" cap="flat" cmpd="sng" algn="ctr">
-            <a:noFill/>
-            <a:prstDash val="solid"/>
-            <a:miter lim="800000"/>
-          </a:ln>
-          <a:effectLst/>
-          <a:extLst>
-            <a:ext uri="{91240B29-F687-4F45-9708-019B960494DF}">
-              <a14:hiddenLine xmlns:a14="http://schemas.microsoft.com/office/drawing/2010/main" w="12700" cap="flat" cmpd="sng" algn="ctr">
-                <a:solidFill>
-                  <a:schemeClr val="accent1">
-                    <a:shade val="50000"/>
-                  </a:schemeClr>
-                </a:solidFill>
-                <a:prstDash val="solid"/>
-                <a:miter lim="800000"/>
-              </a14:hiddenLine>
-            </a:ext>
-          </a:extLst>
-        </p:spPr>
-        <p:style>
-          <a:lnRef idx="2">
-            <a:schemeClr val="accent1">
-              <a:shade val="50000"/>
-            </a:schemeClr>
-          </a:lnRef>
-          <a:fillRef idx="1">
-            <a:schemeClr val="accent1"/>
-          </a:fillRef>
-          <a:effectRef idx="0">
-            <a:schemeClr val="accent1"/>
-          </a:effectRef>
-          <a:fontRef idx="minor">
-            <a:schemeClr val="lt1"/>
-          </a:fontRef>
-        </p:style>
-        <p:txBody>
-          <a:bodyPr rtlCol="0" anchor="ctr"/>
-          <a:lstStyle/>
-          <a:p>
-            <a:pPr algn="ctr"/>
-            <a:endParaRPr lang="en-US"/>
-          </a:p>
-        </p:txBody>
-      </p:sp>
-      <p:pic>
-        <p:nvPicPr>
-          <p:cNvPr id="8" name="Picture Placeholder 7" descr="Data Points Digital background">
-            <a:extLst>
-              <a:ext uri="{FF2B5EF4-FFF2-40B4-BE49-F238E27FC236}">
-                <a16:creationId xmlns:a16="http://schemas.microsoft.com/office/drawing/2014/main" id="{5FED7C55-F545-49A1-90FD-D853A25AB453}"/>
-              </a:ext>
-            </a:extLst>
-          </p:cNvPr>
-          <p:cNvPicPr>
-            <a:picLocks noGrp="1" noChangeAspect="1"/>
-          </p:cNvPicPr>
-          <p:nvPr>
-            <p:ph type="pic" sz="quarter" idx="13"/>
-          </p:nvPr>
-        </p:nvPicPr>
-        <p:blipFill>
-          <a:blip r:embed="rId3">
-            <a:extLst>
-              <a:ext uri="{28A0092B-C50C-407E-A947-70E740481C1C}">
-                <a14:useLocalDpi xmlns:a14="http://schemas.microsoft.com/office/drawing/2010/main" val="0"/>
-              </a:ext>
-            </a:extLst>
-          </a:blip>
-          <a:srcRect/>
-          <a:stretch>
-            <a:fillRect/>
-          </a:stretch>
-        </p:blipFill>
-        <p:spPr/>
-      </p:pic>
-      <p:sp>
-        <p:nvSpPr>
-          <p:cNvPr id="48" name="Rectangle 47">
-            <a:extLst>
-              <a:ext uri="{FF2B5EF4-FFF2-40B4-BE49-F238E27FC236}">
-                <a16:creationId xmlns:a16="http://schemas.microsoft.com/office/drawing/2014/main" id="{3C64A91D-E535-4C24-A0E3-96A3810E3FDC}"/>
-              </a:ext>
-              <a:ext uri="{C183D7F6-B498-43B3-948B-1728B52AA6E4}">
-                <adec:decorative xmlns:adec="http://schemas.microsoft.com/office/drawing/2017/decorative" val="1"/>
-              </a:ext>
-            </a:extLst>
-          </p:cNvPr>
-          <p:cNvSpPr>
-            <a:spLocks noGrp="1" noRot="1" noChangeAspect="1" noMove="1" noResize="1" noEditPoints="1" noAdjustHandles="1" noChangeArrowheads="1" noChangeShapeType="1" noTextEdit="1"/>
-          </p:cNvSpPr>
-          <p:nvPr>
-            <p:extLst>
-              <p:ext uri="{386F3935-93C4-4BCD-93E2-E3B085C9AB24}">
-                <p16:designElem xmlns:p16="http://schemas.microsoft.com/office/powerpoint/2015/main" val="1"/>
-              </p:ext>
-            </p:extLst>
-          </p:nvPr>
-        </p:nvSpPr>
-        <p:spPr>
-          <a:xfrm>
-            <a:off x="0" y="5773729"/>
-            <a:ext cx="12192000" cy="1084271"/>
-          </a:xfrm>
-          <a:prstGeom prst="rect">
-            <a:avLst/>
-          </a:prstGeom>
-          <a:gradFill flip="none" rotWithShape="1">
-            <a:gsLst>
-              <a:gs pos="90000">
-                <a:schemeClr val="bg2">
-                  <a:alpha val="60000"/>
-                </a:schemeClr>
-              </a:gs>
-              <a:gs pos="28000">
-                <a:schemeClr val="bg2">
-                  <a:alpha val="0"/>
-                </a:schemeClr>
-              </a:gs>
-            </a:gsLst>
-            <a:lin ang="5400000" scaled="0"/>
-            <a:tileRect/>
-          </a:gradFill>
-          <a:ln>
-            <a:noFill/>
-          </a:ln>
-        </p:spPr>
-        <p:style>
-          <a:lnRef idx="2">
-            <a:schemeClr val="accent1">
-              <a:shade val="50000"/>
-            </a:schemeClr>
-          </a:lnRef>
-          <a:fillRef idx="1">
-            <a:schemeClr val="accent1"/>
-          </a:fillRef>
-          <a:effectRef idx="0">
-            <a:schemeClr val="accent1"/>
-          </a:effectRef>
-          <a:fontRef idx="minor">
-            <a:schemeClr val="lt1"/>
-          </a:fontRef>
-        </p:style>
-        <p:txBody>
-          <a:bodyPr rtlCol="0" anchor="ctr"/>
-          <a:lstStyle/>
-          <a:p>
-            <a:pPr algn="ctr"/>
-            <a:endParaRPr lang="en-US"/>
-          </a:p>
-        </p:txBody>
-      </p:sp>
-      <p:sp>
-        <p:nvSpPr>
-          <p:cNvPr id="50" name="Rectangle 49">
-            <a:extLst>
-              <a:ext uri="{FF2B5EF4-FFF2-40B4-BE49-F238E27FC236}">
-                <a16:creationId xmlns:a16="http://schemas.microsoft.com/office/drawing/2014/main" id="{26FC4867-BA3E-4F8E-AB23-684F34DF3D31}"/>
-              </a:ext>
-              <a:ext uri="{C183D7F6-B498-43B3-948B-1728B52AA6E4}">
-                <adec:decorative xmlns:adec="http://schemas.microsoft.com/office/drawing/2017/decorative" val="1"/>
-              </a:ext>
-            </a:extLst>
-          </p:cNvPr>
-          <p:cNvSpPr>
-            <a:spLocks noGrp="1" noRot="1" noChangeAspect="1" noMove="1" noResize="1" noEditPoints="1" noAdjustHandles="1" noChangeArrowheads="1" noChangeShapeType="1" noTextEdit="1"/>
-          </p:cNvSpPr>
-          <p:nvPr>
-            <p:extLst>
-              <p:ext uri="{386F3935-93C4-4BCD-93E2-E3B085C9AB24}">
-                <p16:designElem xmlns:p16="http://schemas.microsoft.com/office/powerpoint/2015/main" val="1"/>
-              </p:ext>
-            </p:extLst>
-          </p:nvPr>
-        </p:nvSpPr>
-        <p:spPr>
-          <a:xfrm rot="10800000">
-            <a:off x="0" y="-3"/>
-            <a:ext cx="9000000" cy="6857998"/>
-          </a:xfrm>
-          <a:prstGeom prst="rect">
-            <a:avLst/>
-          </a:prstGeom>
-          <a:gradFill flip="none" rotWithShape="1">
-            <a:gsLst>
-              <a:gs pos="50000">
-                <a:schemeClr val="bg2">
-                  <a:alpha val="60000"/>
-                </a:schemeClr>
-              </a:gs>
-              <a:gs pos="0">
-                <a:schemeClr val="bg2">
-                  <a:alpha val="0"/>
-                </a:schemeClr>
-              </a:gs>
-            </a:gsLst>
-            <a:lin ang="0" scaled="0"/>
-            <a:tileRect/>
-          </a:gradFill>
-          <a:ln>
-            <a:noFill/>
-          </a:ln>
-        </p:spPr>
-        <p:style>
-          <a:lnRef idx="2">
-            <a:schemeClr val="accent1">
-              <a:shade val="50000"/>
-            </a:schemeClr>
-          </a:lnRef>
-          <a:fillRef idx="1">
-            <a:schemeClr val="accent1"/>
-          </a:fillRef>
-          <a:effectRef idx="0">
-            <a:schemeClr val="accent1"/>
-          </a:effectRef>
-          <a:fontRef idx="minor">
-            <a:schemeClr val="lt1"/>
-          </a:fontRef>
-        </p:style>
-        <p:txBody>
-          <a:bodyPr rtlCol="0" anchor="ctr"/>
-          <a:lstStyle/>
-          <a:p>
-            <a:pPr algn="ctr"/>
-            <a:endParaRPr lang="en-US"/>
-          </a:p>
-        </p:txBody>
-      </p:sp>
-      <p:sp>
-        <p:nvSpPr>
-          <p:cNvPr id="15" name="Title 14">
-            <a:extLst>
-              <a:ext uri="{FF2B5EF4-FFF2-40B4-BE49-F238E27FC236}">
-                <a16:creationId xmlns:a16="http://schemas.microsoft.com/office/drawing/2014/main" id="{40F1DF5B-353A-4270-8C10-6A1509441174}"/>
-              </a:ext>
-            </a:extLst>
-          </p:cNvPr>
-          <p:cNvSpPr>
-            <a:spLocks noGrp="1"/>
-          </p:cNvSpPr>
-          <p:nvPr>
-            <p:ph type="ctrTitle"/>
-          </p:nvPr>
-        </p:nvSpPr>
-        <p:spPr>
-          <a:xfrm>
-            <a:off x="550863" y="549275"/>
             <a:ext cx="4731351" cy="2986234"/>
           </a:xfrm>
         </p:spPr>
@@ -28858,12 +28287,12 @@
         <p:spPr>
           <a:xfrm>
             <a:off x="550863" y="3827610"/>
-            <a:ext cx="5437187" cy="2265216"/>
+            <a:ext cx="9000000" cy="2265216"/>
           </a:xfrm>
         </p:spPr>
         <p:txBody>
           <a:bodyPr vert="horz" wrap="square" lIns="0" tIns="0" rIns="0" bIns="0" rtlCol="0">
-            <a:normAutofit/>
+            <a:noAutofit/>
           </a:bodyPr>
           <a:lstStyle/>
           <a:p>
@@ -28874,13 +28303,42 @@
               <a:buNone/>
             </a:pPr>
             <a:r>
-              <a:rPr lang="en-US" kern="1200" dirty="0">
-                <a:latin typeface="+mn-lt"/>
+              <a:rPr lang="en-NZ" sz="2700" kern="1200" dirty="0">
+                <a:solidFill>
+                  <a:schemeClr val="tx1"/>
+                </a:solidFill>
+                <a:latin typeface="Google Sans"/>
                 <a:ea typeface="+mn-ea"/>
                 <a:cs typeface="+mn-cs"/>
               </a:rPr>
-              <a:t>Subtitle</a:t>
+              <a:t>The PC that my </a:t>
             </a:r>
+            <a:r>
+              <a:rPr lang="en-NZ" sz="2700" dirty="0">
+                <a:solidFill>
+                  <a:schemeClr val="tx1"/>
+                </a:solidFill>
+                <a:latin typeface="Google Sans"/>
+              </a:rPr>
+              <a:t>Peer Pieter chose was the </a:t>
+            </a:r>
+            <a:r>
+              <a:rPr lang="en-NZ" sz="2700" dirty="0"/>
+              <a:t>Alienware Aurora </a:t>
+            </a:r>
+            <a:r>
+              <a:rPr lang="en-NZ" sz="2700" dirty="0" err="1"/>
+              <a:t>Ryzen</a:t>
+            </a:r>
+            <a:r>
+              <a:rPr lang="en-NZ" sz="2700" dirty="0"/>
+              <a:t> because it is more in his price range. It was also rated the best gaming PC of the year.</a:t>
+            </a:r>
+            <a:endParaRPr lang="en-US" sz="2700" kern="1200" dirty="0">
+              <a:latin typeface="+mn-lt"/>
+              <a:ea typeface="+mn-ea"/>
+              <a:cs typeface="+mn-cs"/>
+            </a:endParaRPr>
           </a:p>
         </p:txBody>
       </p:sp>
@@ -28963,7 +28421,7 @@
           <a:p>
             <a:fld id="{DBA1B0FB-D917-4C8C-928F-313BD683BF39}" type="slidenum">
               <a:rPr lang="en-US" smtClean="0"/>
-              <a:t>7</a:t>
+              <a:t>8</a:t>
             </a:fld>
             <a:endParaRPr lang="en-US"/>
           </a:p>
@@ -28973,240 +28431,6 @@
     <p:extLst>
       <p:ext uri="{BB962C8B-B14F-4D97-AF65-F5344CB8AC3E}">
         <p14:creationId xmlns:p14="http://schemas.microsoft.com/office/powerpoint/2010/main" val="462216020"/>
-      </p:ext>
-    </p:extLst>
-  </p:cSld>
-  <p:clrMapOvr>
-    <a:masterClrMapping/>
-  </p:clrMapOvr>
-</p:sld>
-</file>
-
-<file path=ppt/slides/slide8.xml><?xml version="1.0" encoding="utf-8"?>
-<p:sld xmlns:a="http://schemas.openxmlformats.org/drawingml/2006/main" xmlns:r="http://schemas.openxmlformats.org/officeDocument/2006/relationships" xmlns:p="http://schemas.openxmlformats.org/presentationml/2006/main">
-  <p:cSld>
-    <p:spTree>
-      <p:nvGrpSpPr>
-        <p:cNvPr id="1" name=""/>
-        <p:cNvGrpSpPr/>
-        <p:nvPr/>
-      </p:nvGrpSpPr>
-      <p:grpSpPr>
-        <a:xfrm>
-          <a:off x="0" y="0"/>
-          <a:ext cx="0" cy="0"/>
-          <a:chOff x="0" y="0"/>
-          <a:chExt cx="0" cy="0"/>
-        </a:xfrm>
-      </p:grpSpPr>
-      <p:sp>
-        <p:nvSpPr>
-          <p:cNvPr id="11" name="Title 10">
-            <a:extLst>
-              <a:ext uri="{FF2B5EF4-FFF2-40B4-BE49-F238E27FC236}">
-                <a16:creationId xmlns:a16="http://schemas.microsoft.com/office/drawing/2014/main" id="{581E8936-2270-47FE-94A4-398CB123EF90}"/>
-              </a:ext>
-            </a:extLst>
-          </p:cNvPr>
-          <p:cNvSpPr>
-            <a:spLocks noGrp="1"/>
-          </p:cNvSpPr>
-          <p:nvPr>
-            <p:ph type="title"/>
-          </p:nvPr>
-        </p:nvSpPr>
-        <p:spPr>
-          <a:xfrm>
-            <a:off x="550863" y="4508500"/>
-            <a:ext cx="4500562" cy="1562959"/>
-          </a:xfrm>
-        </p:spPr>
-        <p:txBody>
-          <a:bodyPr/>
-          <a:lstStyle/>
-          <a:p>
-            <a:r>
-              <a:rPr lang="en-US" dirty="0"/>
-              <a:t>Summary</a:t>
-            </a:r>
-          </a:p>
-        </p:txBody>
-      </p:sp>
-      <p:pic>
-        <p:nvPicPr>
-          <p:cNvPr id="16" name="Picture Placeholder 15" descr="Data Points Digital background">
-            <a:extLst>
-              <a:ext uri="{FF2B5EF4-FFF2-40B4-BE49-F238E27FC236}">
-                <a16:creationId xmlns:a16="http://schemas.microsoft.com/office/drawing/2014/main" id="{361E9ADB-7377-4CF1-9AE4-AEFBDEBEEEEC}"/>
-              </a:ext>
-            </a:extLst>
-          </p:cNvPr>
-          <p:cNvPicPr>
-            <a:picLocks noGrp="1" noChangeAspect="1"/>
-          </p:cNvPicPr>
-          <p:nvPr>
-            <p:ph type="pic" sz="quarter" idx="13"/>
-          </p:nvPr>
-        </p:nvPicPr>
-        <p:blipFill rotWithShape="1">
-          <a:blip r:embed="rId3" cstate="screen">
-            <a:extLst>
-              <a:ext uri="{28A0092B-C50C-407E-A947-70E740481C1C}">
-                <a14:useLocalDpi xmlns:a14="http://schemas.microsoft.com/office/drawing/2010/main" val="0"/>
-              </a:ext>
-            </a:extLst>
-          </a:blip>
-          <a:srcRect/>
-          <a:stretch/>
-        </p:blipFill>
-        <p:spPr>
-          <a:xfrm>
-            <a:off x="0" y="0"/>
-            <a:ext cx="12192000" cy="3776472"/>
-          </a:xfrm>
-        </p:spPr>
-      </p:pic>
-      <p:sp>
-        <p:nvSpPr>
-          <p:cNvPr id="13" name="Content Placeholder 12">
-            <a:extLst>
-              <a:ext uri="{FF2B5EF4-FFF2-40B4-BE49-F238E27FC236}">
-                <a16:creationId xmlns:a16="http://schemas.microsoft.com/office/drawing/2014/main" id="{C0287FEC-3826-4868-8D93-52429C6156F5}"/>
-              </a:ext>
-            </a:extLst>
-          </p:cNvPr>
-          <p:cNvSpPr>
-            <a:spLocks noGrp="1"/>
-          </p:cNvSpPr>
-          <p:nvPr>
-            <p:ph sz="quarter" idx="15"/>
-          </p:nvPr>
-        </p:nvSpPr>
-        <p:spPr>
-          <a:xfrm>
-            <a:off x="5262411" y="4508500"/>
-            <a:ext cx="6221412" cy="1563688"/>
-          </a:xfrm>
-        </p:spPr>
-        <p:txBody>
-          <a:bodyPr>
-            <a:normAutofit lnSpcReduction="10000"/>
-          </a:bodyPr>
-          <a:lstStyle/>
-          <a:p>
-            <a:r>
-              <a:rPr lang="en-US" dirty="0"/>
-              <a:t>With PowerPoint, you can create presentations and share your work with others, wherever they are. Type the text you want here to get started. You can also add images, art, and videos on this template. Save to OneDrive and access your presentations from your computer, tablet, or phone. </a:t>
-            </a:r>
-          </a:p>
-        </p:txBody>
-      </p:sp>
-      <p:sp>
-        <p:nvSpPr>
-          <p:cNvPr id="4" name="Date Placeholder 3">
-            <a:extLst>
-              <a:ext uri="{FF2B5EF4-FFF2-40B4-BE49-F238E27FC236}">
-                <a16:creationId xmlns:a16="http://schemas.microsoft.com/office/drawing/2014/main" id="{0C329F70-04F7-4C70-BCF8-D4371F54EF2F}"/>
-              </a:ext>
-            </a:extLst>
-          </p:cNvPr>
-          <p:cNvSpPr>
-            <a:spLocks noGrp="1"/>
-          </p:cNvSpPr>
-          <p:nvPr>
-            <p:ph type="dt" sz="half" idx="10"/>
-          </p:nvPr>
-        </p:nvSpPr>
-        <p:spPr>
-          <a:xfrm>
-            <a:off x="550863" y="6507212"/>
-            <a:ext cx="2628900" cy="153888"/>
-          </a:xfrm>
-        </p:spPr>
-        <p:txBody>
-          <a:bodyPr/>
-          <a:lstStyle/>
-          <a:p>
-            <a:r>
-              <a:rPr lang="en-US"/>
-              <a:t>Tuesday, February 2, 20XX</a:t>
-            </a:r>
-            <a:endParaRPr lang="en-US" dirty="0"/>
-          </a:p>
-        </p:txBody>
-      </p:sp>
-      <p:sp>
-        <p:nvSpPr>
-          <p:cNvPr id="5" name="Footer Placeholder 4">
-            <a:extLst>
-              <a:ext uri="{FF2B5EF4-FFF2-40B4-BE49-F238E27FC236}">
-                <a16:creationId xmlns:a16="http://schemas.microsoft.com/office/drawing/2014/main" id="{06A3302E-502D-4151-81C9-5FD6AF9596D6}"/>
-              </a:ext>
-            </a:extLst>
-          </p:cNvPr>
-          <p:cNvSpPr>
-            <a:spLocks noGrp="1"/>
-          </p:cNvSpPr>
-          <p:nvPr>
-            <p:ph type="ftr" sz="quarter" idx="11"/>
-          </p:nvPr>
-        </p:nvSpPr>
-        <p:spPr>
-          <a:xfrm>
-            <a:off x="3359150" y="6507212"/>
-            <a:ext cx="6379210" cy="153888"/>
-          </a:xfrm>
-        </p:spPr>
-        <p:txBody>
-          <a:bodyPr/>
-          <a:lstStyle/>
-          <a:p>
-            <a:r>
-              <a:rPr lang="en-US"/>
-              <a:t>Sample Footer Text</a:t>
-            </a:r>
-          </a:p>
-        </p:txBody>
-      </p:sp>
-      <p:sp>
-        <p:nvSpPr>
-          <p:cNvPr id="6" name="Slide Number Placeholder 5">
-            <a:extLst>
-              <a:ext uri="{FF2B5EF4-FFF2-40B4-BE49-F238E27FC236}">
-                <a16:creationId xmlns:a16="http://schemas.microsoft.com/office/drawing/2014/main" id="{9ED907F8-C614-4D59-A03F-BF9CD5E35703}"/>
-              </a:ext>
-            </a:extLst>
-          </p:cNvPr>
-          <p:cNvSpPr>
-            <a:spLocks noGrp="1"/>
-          </p:cNvSpPr>
-          <p:nvPr>
-            <p:ph type="sldNum" sz="quarter" idx="12"/>
-          </p:nvPr>
-        </p:nvSpPr>
-        <p:spPr>
-          <a:xfrm>
-            <a:off x="9948863" y="6507212"/>
-            <a:ext cx="1692274" cy="153888"/>
-          </a:xfrm>
-        </p:spPr>
-        <p:txBody>
-          <a:bodyPr/>
-          <a:lstStyle/>
-          <a:p>
-            <a:fld id="{DBA1B0FB-D917-4C8C-928F-313BD683BF39}" type="slidenum">
-              <a:rPr lang="en-US" smtClean="0"/>
-              <a:pPr/>
-              <a:t>8</a:t>
-            </a:fld>
-            <a:endParaRPr lang="en-US"/>
-          </a:p>
-        </p:txBody>
-      </p:sp>
-    </p:spTree>
-    <p:extLst>
-      <p:ext uri="{BB962C8B-B14F-4D97-AF65-F5344CB8AC3E}">
-        <p14:creationId xmlns:p14="http://schemas.microsoft.com/office/powerpoint/2010/main" val="3521561301"/>
       </p:ext>
     </p:extLst>
   </p:cSld>
@@ -29235,10 +28459,10 @@
       </p:grpSpPr>
       <p:sp>
         <p:nvSpPr>
-          <p:cNvPr id="22" name="Title 21">
+          <p:cNvPr id="11" name="Title 10">
             <a:extLst>
               <a:ext uri="{FF2B5EF4-FFF2-40B4-BE49-F238E27FC236}">
-                <a16:creationId xmlns:a16="http://schemas.microsoft.com/office/drawing/2014/main" id="{F8FAEED9-1ECD-45F9-87A0-9394BAEABB79}"/>
+                <a16:creationId xmlns:a16="http://schemas.microsoft.com/office/drawing/2014/main" id="{581E8936-2270-47FE-94A4-398CB123EF90}"/>
               </a:ext>
             </a:extLst>
           </p:cNvPr>
@@ -29246,13 +28470,13 @@
             <a:spLocks noGrp="1"/>
           </p:cNvSpPr>
           <p:nvPr>
-            <p:ph type="ctrTitle"/>
+            <p:ph type="title"/>
           </p:nvPr>
         </p:nvSpPr>
         <p:spPr>
           <a:xfrm>
-            <a:off x="550863" y="549275"/>
-            <a:ext cx="5437187" cy="2986234"/>
+            <a:off x="550863" y="4508500"/>
+            <a:ext cx="4500562" cy="1562959"/>
           </a:xfrm>
         </p:spPr>
         <p:txBody>
@@ -29261,62 +28485,17 @@
           <a:p>
             <a:r>
               <a:rPr lang="en-US" dirty="0"/>
-              <a:t>Thank You</a:t>
-            </a:r>
-          </a:p>
-        </p:txBody>
-      </p:sp>
-      <p:sp>
-        <p:nvSpPr>
-          <p:cNvPr id="23" name="Subtitle 22">
-            <a:extLst>
-              <a:ext uri="{FF2B5EF4-FFF2-40B4-BE49-F238E27FC236}">
-                <a16:creationId xmlns:a16="http://schemas.microsoft.com/office/drawing/2014/main" id="{8E5E4638-9BCB-4C2E-914F-CC868E2020D5}"/>
-              </a:ext>
-            </a:extLst>
-          </p:cNvPr>
-          <p:cNvSpPr>
-            <a:spLocks noGrp="1"/>
-          </p:cNvSpPr>
-          <p:nvPr>
-            <p:ph type="subTitle" idx="1"/>
-          </p:nvPr>
-        </p:nvSpPr>
-        <p:spPr>
-          <a:xfrm>
-            <a:off x="550863" y="3827610"/>
-            <a:ext cx="5437187" cy="2265216"/>
-          </a:xfrm>
-        </p:spPr>
-        <p:txBody>
-          <a:bodyPr/>
-          <a:lstStyle/>
-          <a:p>
-            <a:r>
-              <a:rPr lang="en-US" dirty="0"/>
-              <a:t>Presenter name</a:t>
-            </a:r>
-          </a:p>
-          <a:p>
-            <a:r>
-              <a:rPr lang="en-US" dirty="0"/>
-              <a:t>Email address</a:t>
-            </a:r>
-          </a:p>
-          <a:p>
-            <a:r>
-              <a:rPr lang="en-US" dirty="0"/>
-              <a:t>Website address</a:t>
+              <a:t>Summary</a:t>
             </a:r>
           </a:p>
         </p:txBody>
       </p:sp>
       <p:pic>
         <p:nvPicPr>
-          <p:cNvPr id="27" name="Picture Placeholder 26" descr="Data Points Digital background">
+          <p:cNvPr id="16" name="Picture Placeholder 15" descr="Data Points Digital background">
             <a:extLst>
               <a:ext uri="{FF2B5EF4-FFF2-40B4-BE49-F238E27FC236}">
-                <a16:creationId xmlns:a16="http://schemas.microsoft.com/office/drawing/2014/main" id="{9E660784-34E2-4CDA-926A-DDD6AAF35046}"/>
+                <a16:creationId xmlns:a16="http://schemas.microsoft.com/office/drawing/2014/main" id="{361E9ADB-7377-4CF1-9AE4-AEFBDEBEEEEC}"/>
               </a:ext>
             </a:extLst>
           </p:cNvPr>
@@ -29324,11 +28503,11 @@
             <a:picLocks noGrp="1" noChangeAspect="1"/>
           </p:cNvPicPr>
           <p:nvPr>
-            <p:ph type="pic" sz="quarter" idx="15"/>
+            <p:ph type="pic" sz="quarter" idx="13"/>
           </p:nvPr>
         </p:nvPicPr>
         <p:blipFill rotWithShape="1">
-          <a:blip r:embed="rId2" cstate="screen">
+          <a:blip r:embed="rId3" cstate="screen">
             <a:extLst>
               <a:ext uri="{28A0092B-C50C-407E-A947-70E740481C1C}">
                 <a14:useLocalDpi xmlns:a14="http://schemas.microsoft.com/office/drawing/2010/main" val="0"/>
@@ -29340,51 +28519,49 @@
         </p:blipFill>
         <p:spPr>
           <a:xfrm>
-            <a:off x="6556248" y="548640"/>
-            <a:ext cx="5084064" cy="2880360"/>
-          </a:xfrm>
-        </p:spPr>
-      </p:pic>
-      <p:pic>
-        <p:nvPicPr>
-          <p:cNvPr id="33" name="Picture Placeholder 32" descr="Data Points Digital background">
-            <a:extLst>
-              <a:ext uri="{FF2B5EF4-FFF2-40B4-BE49-F238E27FC236}">
-                <a16:creationId xmlns:a16="http://schemas.microsoft.com/office/drawing/2014/main" id="{48106962-23C6-4DFE-BB3A-E5FFF03F38CE}"/>
-              </a:ext>
-            </a:extLst>
-          </p:cNvPr>
-          <p:cNvPicPr>
-            <a:picLocks noGrp="1" noChangeAspect="1"/>
-          </p:cNvPicPr>
-          <p:nvPr>
-            <p:ph type="pic" sz="quarter" idx="16"/>
-          </p:nvPr>
-        </p:nvPicPr>
-        <p:blipFill rotWithShape="1">
-          <a:blip r:embed="rId3" cstate="screen">
-            <a:extLst>
-              <a:ext uri="{28A0092B-C50C-407E-A947-70E740481C1C}">
-                <a14:useLocalDpi xmlns:a14="http://schemas.microsoft.com/office/drawing/2010/main" val="0"/>
-              </a:ext>
-            </a:extLst>
-          </a:blip>
-          <a:srcRect/>
-          <a:stretch/>
-        </p:blipFill>
-        <p:spPr>
-          <a:xfrm>
-            <a:off x="6556248" y="3429000"/>
-            <a:ext cx="5084064" cy="2880360"/>
+            <a:off x="0" y="0"/>
+            <a:ext cx="12192000" cy="3776472"/>
           </a:xfrm>
         </p:spPr>
       </p:pic>
       <p:sp>
         <p:nvSpPr>
+          <p:cNvPr id="13" name="Content Placeholder 12">
+            <a:extLst>
+              <a:ext uri="{FF2B5EF4-FFF2-40B4-BE49-F238E27FC236}">
+                <a16:creationId xmlns:a16="http://schemas.microsoft.com/office/drawing/2014/main" id="{C0287FEC-3826-4868-8D93-52429C6156F5}"/>
+              </a:ext>
+            </a:extLst>
+          </p:cNvPr>
+          <p:cNvSpPr>
+            <a:spLocks noGrp="1"/>
+          </p:cNvSpPr>
+          <p:nvPr>
+            <p:ph sz="quarter" idx="15"/>
+          </p:nvPr>
+        </p:nvSpPr>
+        <p:spPr>
+          <a:xfrm>
+            <a:off x="5262411" y="4508500"/>
+            <a:ext cx="6221412" cy="1563688"/>
+          </a:xfrm>
+        </p:spPr>
+        <p:txBody>
+          <a:bodyPr>
+            <a:normAutofit/>
+          </a:bodyPr>
+          <a:lstStyle/>
+          <a:p>
+            <a:endParaRPr lang="en-US" dirty="0"/>
+          </a:p>
+        </p:txBody>
+      </p:sp>
+      <p:sp>
+        <p:nvSpPr>
           <p:cNvPr id="4" name="Date Placeholder 3">
             <a:extLst>
               <a:ext uri="{FF2B5EF4-FFF2-40B4-BE49-F238E27FC236}">
-                <a16:creationId xmlns:a16="http://schemas.microsoft.com/office/drawing/2014/main" id="{7823E305-6365-4345-8BD1-4A31C61D96CB}"/>
+                <a16:creationId xmlns:a16="http://schemas.microsoft.com/office/drawing/2014/main" id="{0C329F70-04F7-4C70-BCF8-D4371F54EF2F}"/>
               </a:ext>
             </a:extLst>
           </p:cNvPr>
@@ -29409,6 +28586,7 @@
               <a:rPr lang="en-US"/>
               <a:t>Tuesday, February 2, 20XX</a:t>
             </a:r>
+            <a:endParaRPr lang="en-US" dirty="0"/>
           </a:p>
         </p:txBody>
       </p:sp>
@@ -29417,7 +28595,7 @@
           <p:cNvPr id="5" name="Footer Placeholder 4">
             <a:extLst>
               <a:ext uri="{FF2B5EF4-FFF2-40B4-BE49-F238E27FC236}">
-                <a16:creationId xmlns:a16="http://schemas.microsoft.com/office/drawing/2014/main" id="{0B37A3FF-ED32-4C4A-A21F-848A3BF6F896}"/>
+                <a16:creationId xmlns:a16="http://schemas.microsoft.com/office/drawing/2014/main" id="{06A3302E-502D-4151-81C9-5FD6AF9596D6}"/>
               </a:ext>
             </a:extLst>
           </p:cNvPr>
@@ -29450,7 +28628,7 @@
           <p:cNvPr id="6" name="Slide Number Placeholder 5">
             <a:extLst>
               <a:ext uri="{FF2B5EF4-FFF2-40B4-BE49-F238E27FC236}">
-                <a16:creationId xmlns:a16="http://schemas.microsoft.com/office/drawing/2014/main" id="{36E60F23-FB58-4EF8-82FD-E86CED25FDD4}"/>
+                <a16:creationId xmlns:a16="http://schemas.microsoft.com/office/drawing/2014/main" id="{9ED907F8-C614-4D59-A03F-BF9CD5E35703}"/>
               </a:ext>
             </a:extLst>
           </p:cNvPr>
@@ -29483,7 +28661,7 @@
     </p:spTree>
     <p:extLst>
       <p:ext uri="{BB962C8B-B14F-4D97-AF65-F5344CB8AC3E}">
-        <p14:creationId xmlns:p14="http://schemas.microsoft.com/office/powerpoint/2010/main" val="3247798845"/>
+        <p14:creationId xmlns:p14="http://schemas.microsoft.com/office/powerpoint/2010/main" val="3521561301"/>
       </p:ext>
     </p:extLst>
   </p:cSld>
